--- a/Posters/Poster-RicardoMartinez.pptx
+++ b/Posters/Poster-RicardoMartinez.pptx
@@ -233,7 +233,7 @@
             <a:fld id="{AC579C2D-29BE-6948-80B9-138A16B9DF50}" type="datetime1">
               <a:rPr lang="en-US"/>
               <a:pPr/>
-              <a:t>12/3/14</a:t>
+              <a:t>12/4/14</a:t>
             </a:fld>
             <a:endParaRPr lang="en-US"/>
           </a:p>
@@ -4597,7 +4597,7 @@
         <p:spPr bwMode="auto">
           <a:xfrm>
             <a:off x="1219200" y="42138600"/>
-            <a:ext cx="30632400" cy="1084502"/>
+            <a:ext cx="30632400" cy="1022947"/>
           </a:xfrm>
           <a:prstGeom prst="rect">
             <a:avLst/>
@@ -4741,30 +4741,30 @@
           <a:p>
             <a:pPr algn="ctr"/>
             <a:r>
-              <a:rPr lang="en-US" sz="3200" dirty="0"/>
+              <a:rPr lang="en-US" sz="3000" dirty="0"/>
               <a:t>The material presented in this poster is based upon the work supported by Gabriela Wilson and </a:t>
             </a:r>
             <a:r>
-              <a:rPr lang="en-US" sz="3200" dirty="0" smtClean="0"/>
+              <a:rPr lang="en-US" sz="3000" dirty="0" smtClean="0"/>
               <a:t>the Village of Pinecrest. </a:t>
             </a:r>
             <a:r>
-              <a:rPr lang="en-US" sz="3200" dirty="0"/>
+              <a:rPr lang="en-US" sz="3000" dirty="0"/>
               <a:t>I am thankful </a:t>
             </a:r>
             <a:r>
-              <a:rPr lang="en-US" sz="3200" dirty="0" smtClean="0"/>
+              <a:rPr lang="en-US" sz="3000" dirty="0" smtClean="0"/>
               <a:t>for </a:t>
             </a:r>
             <a:r>
-              <a:rPr lang="en-US" sz="3200" dirty="0"/>
+              <a:rPr lang="en-US" sz="3000" dirty="0"/>
               <a:t>the help that I received from my </a:t>
             </a:r>
             <a:r>
-              <a:rPr lang="en-US" sz="3200" dirty="0" smtClean="0"/>
+              <a:rPr lang="en-US" sz="3000" dirty="0" smtClean="0"/>
               <a:t>teammate Maurice Pruna</a:t>
             </a:r>
-            <a:endParaRPr lang="en-US" sz="3200" dirty="0">
+            <a:endParaRPr lang="en-US" sz="3000" dirty="0">
               <a:effectLst/>
             </a:endParaRPr>
           </a:p>
@@ -5137,350 +5137,6 @@
       </p:pic>
       <p:sp>
         <p:nvSpPr>
-          <p:cNvPr id="34" name="Text Box 19"/>
-          <p:cNvSpPr txBox="1">
-            <a:spLocks noChangeArrowheads="1"/>
-          </p:cNvSpPr>
-          <p:nvPr/>
-        </p:nvSpPr>
-        <p:spPr bwMode="auto">
-          <a:xfrm>
-            <a:off x="13639800" y="5973763"/>
-            <a:ext cx="5486400" cy="731837"/>
-          </a:xfrm>
-          <a:prstGeom prst="rect">
-            <a:avLst/>
-          </a:prstGeom>
-          <a:solidFill>
-            <a:srgbClr val="B6A674"/>
-          </a:solidFill>
-          <a:ln>
-            <a:headEnd/>
-            <a:tailEnd/>
-          </a:ln>
-        </p:spPr>
-        <p:style>
-          <a:lnRef idx="1">
-            <a:schemeClr val="dk1"/>
-          </a:lnRef>
-          <a:fillRef idx="2">
-            <a:schemeClr val="dk1"/>
-          </a:fillRef>
-          <a:effectRef idx="1">
-            <a:schemeClr val="dk1"/>
-          </a:effectRef>
-          <a:fontRef idx="minor">
-            <a:schemeClr val="dk1"/>
-          </a:fontRef>
-        </p:style>
-        <p:txBody>
-          <a:bodyPr lIns="98655" tIns="49327" rIns="98655" bIns="49327">
-            <a:spAutoFit/>
-          </a:bodyPr>
-          <a:lstStyle>
-            <a:lvl1pPr defTabSz="985838" eaLnBrk="0" hangingPunct="0">
-              <a:defRPr sz="8400">
-                <a:solidFill>
-                  <a:schemeClr val="tx1"/>
-                </a:solidFill>
-                <a:latin typeface="Arial" charset="0"/>
-                <a:ea typeface="ＭＳ Ｐゴシック" charset="0"/>
-                <a:cs typeface="ＭＳ Ｐゴシック" charset="0"/>
-              </a:defRPr>
-            </a:lvl1pPr>
-            <a:lvl2pPr marL="37931725" indent="-37474525" defTabSz="985838" eaLnBrk="0" hangingPunct="0">
-              <a:defRPr sz="8400">
-                <a:solidFill>
-                  <a:schemeClr val="tx1"/>
-                </a:solidFill>
-                <a:latin typeface="Arial" charset="0"/>
-                <a:ea typeface="ＭＳ Ｐゴシック" charset="0"/>
-              </a:defRPr>
-            </a:lvl2pPr>
-            <a:lvl3pPr eaLnBrk="0" hangingPunct="0">
-              <a:defRPr sz="8400">
-                <a:solidFill>
-                  <a:schemeClr val="tx1"/>
-                </a:solidFill>
-                <a:latin typeface="Arial" charset="0"/>
-                <a:ea typeface="ＭＳ Ｐゴシック" charset="0"/>
-              </a:defRPr>
-            </a:lvl3pPr>
-            <a:lvl4pPr eaLnBrk="0" hangingPunct="0">
-              <a:defRPr sz="8400">
-                <a:solidFill>
-                  <a:schemeClr val="tx1"/>
-                </a:solidFill>
-                <a:latin typeface="Arial" charset="0"/>
-                <a:ea typeface="ＭＳ Ｐゴシック" charset="0"/>
-              </a:defRPr>
-            </a:lvl4pPr>
-            <a:lvl5pPr eaLnBrk="0" hangingPunct="0">
-              <a:defRPr sz="8400">
-                <a:solidFill>
-                  <a:schemeClr val="tx1"/>
-                </a:solidFill>
-                <a:latin typeface="Arial" charset="0"/>
-                <a:ea typeface="ＭＳ Ｐゴシック" charset="0"/>
-              </a:defRPr>
-            </a:lvl5pPr>
-            <a:lvl6pPr marL="457200" eaLnBrk="0" fontAlgn="base" hangingPunct="0">
-              <a:spcBef>
-                <a:spcPct val="0"/>
-              </a:spcBef>
-              <a:spcAft>
-                <a:spcPct val="0"/>
-              </a:spcAft>
-              <a:defRPr sz="8400">
-                <a:solidFill>
-                  <a:schemeClr val="tx1"/>
-                </a:solidFill>
-                <a:latin typeface="Arial" charset="0"/>
-                <a:ea typeface="ＭＳ Ｐゴシック" charset="0"/>
-              </a:defRPr>
-            </a:lvl6pPr>
-            <a:lvl7pPr marL="914400" eaLnBrk="0" fontAlgn="base" hangingPunct="0">
-              <a:spcBef>
-                <a:spcPct val="0"/>
-              </a:spcBef>
-              <a:spcAft>
-                <a:spcPct val="0"/>
-              </a:spcAft>
-              <a:defRPr sz="8400">
-                <a:solidFill>
-                  <a:schemeClr val="tx1"/>
-                </a:solidFill>
-                <a:latin typeface="Arial" charset="0"/>
-                <a:ea typeface="ＭＳ Ｐゴシック" charset="0"/>
-              </a:defRPr>
-            </a:lvl7pPr>
-            <a:lvl8pPr marL="1371600" eaLnBrk="0" fontAlgn="base" hangingPunct="0">
-              <a:spcBef>
-                <a:spcPct val="0"/>
-              </a:spcBef>
-              <a:spcAft>
-                <a:spcPct val="0"/>
-              </a:spcAft>
-              <a:defRPr sz="8400">
-                <a:solidFill>
-                  <a:schemeClr val="tx1"/>
-                </a:solidFill>
-                <a:latin typeface="Arial" charset="0"/>
-                <a:ea typeface="ＭＳ Ｐゴシック" charset="0"/>
-              </a:defRPr>
-            </a:lvl8pPr>
-            <a:lvl9pPr marL="1828800" eaLnBrk="0" fontAlgn="base" hangingPunct="0">
-              <a:spcBef>
-                <a:spcPct val="0"/>
-              </a:spcBef>
-              <a:spcAft>
-                <a:spcPct val="0"/>
-              </a:spcAft>
-              <a:defRPr sz="8400">
-                <a:solidFill>
-                  <a:schemeClr val="tx1"/>
-                </a:solidFill>
-                <a:latin typeface="Arial" charset="0"/>
-                <a:ea typeface="ＭＳ Ｐゴシック" charset="0"/>
-              </a:defRPr>
-            </a:lvl9pPr>
-          </a:lstStyle>
-          <a:p>
-            <a:pPr algn="ctr" eaLnBrk="1" hangingPunct="1">
-              <a:spcBef>
-                <a:spcPct val="50000"/>
-              </a:spcBef>
-            </a:pPr>
-            <a:r>
-              <a:rPr lang="en-US" sz="4100" b="1" dirty="0">
-                <a:solidFill>
-                  <a:srgbClr val="1B390A"/>
-                </a:solidFill>
-                <a:effectLst>
-                  <a:outerShdw blurRad="38100" dist="38100" dir="2700000" algn="tl">
-                    <a:srgbClr val="DDDDDD"/>
-                  </a:outerShdw>
-                </a:effectLst>
-              </a:rPr>
-              <a:t>Current System</a:t>
-            </a:r>
-          </a:p>
-        </p:txBody>
-      </p:sp>
-      <p:sp>
-        <p:nvSpPr>
-          <p:cNvPr id="35" name="Text Box 19"/>
-          <p:cNvSpPr txBox="1">
-            <a:spLocks noChangeArrowheads="1"/>
-          </p:cNvSpPr>
-          <p:nvPr/>
-        </p:nvSpPr>
-        <p:spPr bwMode="auto">
-          <a:xfrm>
-            <a:off x="23393400" y="5973763"/>
-            <a:ext cx="5486400" cy="731837"/>
-          </a:xfrm>
-          <a:prstGeom prst="rect">
-            <a:avLst/>
-          </a:prstGeom>
-          <a:solidFill>
-            <a:srgbClr val="B6A674"/>
-          </a:solidFill>
-          <a:ln>
-            <a:headEnd/>
-            <a:tailEnd/>
-          </a:ln>
-        </p:spPr>
-        <p:style>
-          <a:lnRef idx="1">
-            <a:schemeClr val="dk1"/>
-          </a:lnRef>
-          <a:fillRef idx="2">
-            <a:schemeClr val="dk1"/>
-          </a:fillRef>
-          <a:effectRef idx="1">
-            <a:schemeClr val="dk1"/>
-          </a:effectRef>
-          <a:fontRef idx="minor">
-            <a:schemeClr val="dk1"/>
-          </a:fontRef>
-        </p:style>
-        <p:txBody>
-          <a:bodyPr lIns="98655" tIns="49327" rIns="98655" bIns="49327">
-            <a:spAutoFit/>
-          </a:bodyPr>
-          <a:lstStyle>
-            <a:lvl1pPr defTabSz="985838" eaLnBrk="0" hangingPunct="0">
-              <a:defRPr sz="8400">
-                <a:solidFill>
-                  <a:schemeClr val="tx1"/>
-                </a:solidFill>
-                <a:latin typeface="Arial" charset="0"/>
-                <a:ea typeface="ＭＳ Ｐゴシック" charset="0"/>
-                <a:cs typeface="ＭＳ Ｐゴシック" charset="0"/>
-              </a:defRPr>
-            </a:lvl1pPr>
-            <a:lvl2pPr marL="37931725" indent="-37474525" defTabSz="985838" eaLnBrk="0" hangingPunct="0">
-              <a:defRPr sz="8400">
-                <a:solidFill>
-                  <a:schemeClr val="tx1"/>
-                </a:solidFill>
-                <a:latin typeface="Arial" charset="0"/>
-                <a:ea typeface="ＭＳ Ｐゴシック" charset="0"/>
-              </a:defRPr>
-            </a:lvl2pPr>
-            <a:lvl3pPr eaLnBrk="0" hangingPunct="0">
-              <a:defRPr sz="8400">
-                <a:solidFill>
-                  <a:schemeClr val="tx1"/>
-                </a:solidFill>
-                <a:latin typeface="Arial" charset="0"/>
-                <a:ea typeface="ＭＳ Ｐゴシック" charset="0"/>
-              </a:defRPr>
-            </a:lvl3pPr>
-            <a:lvl4pPr eaLnBrk="0" hangingPunct="0">
-              <a:defRPr sz="8400">
-                <a:solidFill>
-                  <a:schemeClr val="tx1"/>
-                </a:solidFill>
-                <a:latin typeface="Arial" charset="0"/>
-                <a:ea typeface="ＭＳ Ｐゴシック" charset="0"/>
-              </a:defRPr>
-            </a:lvl4pPr>
-            <a:lvl5pPr eaLnBrk="0" hangingPunct="0">
-              <a:defRPr sz="8400">
-                <a:solidFill>
-                  <a:schemeClr val="tx1"/>
-                </a:solidFill>
-                <a:latin typeface="Arial" charset="0"/>
-                <a:ea typeface="ＭＳ Ｐゴシック" charset="0"/>
-              </a:defRPr>
-            </a:lvl5pPr>
-            <a:lvl6pPr marL="457200" eaLnBrk="0" fontAlgn="base" hangingPunct="0">
-              <a:spcBef>
-                <a:spcPct val="0"/>
-              </a:spcBef>
-              <a:spcAft>
-                <a:spcPct val="0"/>
-              </a:spcAft>
-              <a:defRPr sz="8400">
-                <a:solidFill>
-                  <a:schemeClr val="tx1"/>
-                </a:solidFill>
-                <a:latin typeface="Arial" charset="0"/>
-                <a:ea typeface="ＭＳ Ｐゴシック" charset="0"/>
-              </a:defRPr>
-            </a:lvl6pPr>
-            <a:lvl7pPr marL="914400" eaLnBrk="0" fontAlgn="base" hangingPunct="0">
-              <a:spcBef>
-                <a:spcPct val="0"/>
-              </a:spcBef>
-              <a:spcAft>
-                <a:spcPct val="0"/>
-              </a:spcAft>
-              <a:defRPr sz="8400">
-                <a:solidFill>
-                  <a:schemeClr val="tx1"/>
-                </a:solidFill>
-                <a:latin typeface="Arial" charset="0"/>
-                <a:ea typeface="ＭＳ Ｐゴシック" charset="0"/>
-              </a:defRPr>
-            </a:lvl7pPr>
-            <a:lvl8pPr marL="1371600" eaLnBrk="0" fontAlgn="base" hangingPunct="0">
-              <a:spcBef>
-                <a:spcPct val="0"/>
-              </a:spcBef>
-              <a:spcAft>
-                <a:spcPct val="0"/>
-              </a:spcAft>
-              <a:defRPr sz="8400">
-                <a:solidFill>
-                  <a:schemeClr val="tx1"/>
-                </a:solidFill>
-                <a:latin typeface="Arial" charset="0"/>
-                <a:ea typeface="ＭＳ Ｐゴシック" charset="0"/>
-              </a:defRPr>
-            </a:lvl8pPr>
-            <a:lvl9pPr marL="1828800" eaLnBrk="0" fontAlgn="base" hangingPunct="0">
-              <a:spcBef>
-                <a:spcPct val="0"/>
-              </a:spcBef>
-              <a:spcAft>
-                <a:spcPct val="0"/>
-              </a:spcAft>
-              <a:defRPr sz="8400">
-                <a:solidFill>
-                  <a:schemeClr val="tx1"/>
-                </a:solidFill>
-                <a:latin typeface="Arial" charset="0"/>
-                <a:ea typeface="ＭＳ Ｐゴシック" charset="0"/>
-              </a:defRPr>
-            </a:lvl9pPr>
-          </a:lstStyle>
-          <a:p>
-            <a:pPr algn="ctr" eaLnBrk="1" hangingPunct="1">
-              <a:spcBef>
-                <a:spcPct val="50000"/>
-              </a:spcBef>
-            </a:pPr>
-            <a:r>
-              <a:rPr lang="en-US" sz="4100" b="1" dirty="0">
-                <a:solidFill>
-                  <a:srgbClr val="1B390A"/>
-                </a:solidFill>
-                <a:effectLst>
-                  <a:outerShdw blurRad="38100" dist="38100" dir="2700000" algn="tl">
-                    <a:srgbClr val="DDDDDD"/>
-                  </a:outerShdw>
-                </a:effectLst>
-              </a:rPr>
-              <a:t>Requirements</a:t>
-            </a:r>
-          </a:p>
-        </p:txBody>
-      </p:sp>
-      <p:sp>
-        <p:nvSpPr>
           <p:cNvPr id="37" name="Text Box 19"/>
           <p:cNvSpPr txBox="1">
             <a:spLocks noChangeArrowheads="1"/>
@@ -6225,7 +5881,7 @@
       </p:pic>
       <p:pic>
         <p:nvPicPr>
-          <p:cNvPr id="4" name="Picture 3" descr="Javascript_logo_unofficial-300x300.png"/>
+          <p:cNvPr id="5" name="Picture 4" descr="mysql-logo[1].png"/>
           <p:cNvPicPr>
             <a:picLocks noChangeAspect="1"/>
           </p:cNvPicPr>
@@ -6245,8 +5901,8 @@
         </p:blipFill>
         <p:spPr>
           <a:xfrm>
-            <a:off x="5410200" y="2133600"/>
-            <a:ext cx="2895600" cy="2895600"/>
+            <a:off x="25831800" y="2590800"/>
+            <a:ext cx="4789714" cy="2514600"/>
           </a:xfrm>
           <a:prstGeom prst="rect">
             <a:avLst/>
@@ -6255,7 +5911,7 @@
       </p:pic>
       <p:pic>
         <p:nvPicPr>
-          <p:cNvPr id="5" name="Picture 4" descr="mysql-logo[1].png"/>
+          <p:cNvPr id="9" name="Picture 8" descr="ShowImage.png"/>
           <p:cNvPicPr>
             <a:picLocks noChangeAspect="1"/>
           </p:cNvPicPr>
@@ -6275,8 +5931,8 @@
         </p:blipFill>
         <p:spPr>
           <a:xfrm>
-            <a:off x="25831800" y="2590800"/>
-            <a:ext cx="4789714" cy="2514600"/>
+            <a:off x="5791200" y="9296400"/>
+            <a:ext cx="4038600" cy="3998214"/>
           </a:xfrm>
           <a:prstGeom prst="rect">
             <a:avLst/>
@@ -6285,7 +5941,7 @@
       </p:pic>
       <p:pic>
         <p:nvPicPr>
-          <p:cNvPr id="9" name="Picture 8" descr="ShowImage.png"/>
+          <p:cNvPr id="11" name="Picture 10" descr="spring-tool-suite-project-logo.png"/>
           <p:cNvPicPr>
             <a:picLocks noChangeAspect="1"/>
           </p:cNvPicPr>
@@ -6305,66 +5961,6 @@
         </p:blipFill>
         <p:spPr>
           <a:xfrm>
-            <a:off x="381000" y="381000"/>
-            <a:ext cx="4038600" cy="3998214"/>
-          </a:xfrm>
-          <a:prstGeom prst="rect">
-            <a:avLst/>
-          </a:prstGeom>
-        </p:spPr>
-      </p:pic>
-      <p:pic>
-        <p:nvPicPr>
-          <p:cNvPr id="10" name="Picture 9" descr="sencha-touch-logo-tizen-experts.png"/>
-          <p:cNvPicPr>
-            <a:picLocks noChangeAspect="1"/>
-          </p:cNvPicPr>
-          <p:nvPr/>
-        </p:nvPicPr>
-        <p:blipFill>
-          <a:blip r:embed="rId9">
-            <a:extLst>
-              <a:ext uri="{28A0092B-C50C-407E-A947-70E740481C1C}">
-                <a14:useLocalDpi xmlns:a14="http://schemas.microsoft.com/office/drawing/2010/main" val="0"/>
-              </a:ext>
-            </a:extLst>
-          </a:blip>
-          <a:stretch>
-            <a:fillRect/>
-          </a:stretch>
-        </p:blipFill>
-        <p:spPr>
-          <a:xfrm>
-            <a:off x="4419600" y="304800"/>
-            <a:ext cx="5080000" cy="2120900"/>
-          </a:xfrm>
-          <a:prstGeom prst="rect">
-            <a:avLst/>
-          </a:prstGeom>
-        </p:spPr>
-      </p:pic>
-      <p:pic>
-        <p:nvPicPr>
-          <p:cNvPr id="11" name="Picture 10" descr="spring-tool-suite-project-logo.png"/>
-          <p:cNvPicPr>
-            <a:picLocks noChangeAspect="1"/>
-          </p:cNvPicPr>
-          <p:nvPr/>
-        </p:nvPicPr>
-        <p:blipFill>
-          <a:blip r:embed="rId10">
-            <a:extLst>
-              <a:ext uri="{28A0092B-C50C-407E-A947-70E740481C1C}">
-                <a14:useLocalDpi xmlns:a14="http://schemas.microsoft.com/office/drawing/2010/main" val="0"/>
-              </a:ext>
-            </a:extLst>
-          </a:blip>
-          <a:stretch>
-            <a:fillRect/>
-          </a:stretch>
-        </p:blipFill>
-        <p:spPr>
-          <a:xfrm>
             <a:off x="29337000" y="381000"/>
             <a:ext cx="2717800" cy="3009900"/>
           </a:xfrm>
@@ -6381,8 +5977,8 @@
         </p:nvSpPr>
         <p:spPr>
           <a:xfrm>
-            <a:off x="1524000" y="31996350"/>
-            <a:ext cx="9753600" cy="7094250"/>
+            <a:off x="1524000" y="32315289"/>
+            <a:ext cx="9753600" cy="5632311"/>
           </a:xfrm>
           <a:prstGeom prst="rect">
             <a:avLst/>
@@ -6396,56 +5992,52 @@
           <a:lstStyle/>
           <a:p>
             <a:r>
-              <a:rPr lang="en-US" sz="3500" dirty="0" smtClean="0"/>
-              <a:t>After all the work that was implemented for this project, the application can </a:t>
-            </a:r>
-            <a:r>
-              <a:rPr lang="en-US" sz="3500" dirty="0" smtClean="0"/>
-              <a:t>now</a:t>
-            </a:r>
-          </a:p>
-          <a:p>
-            <a:r>
-              <a:rPr lang="en-US" sz="3500" dirty="0" smtClean="0"/>
+              <a:rPr lang="en-US" sz="3000" dirty="0" smtClean="0"/>
+              <a:t>After all the work that was implemented for this project, the application can now</a:t>
+            </a:r>
+          </a:p>
+          <a:p>
+            <a:r>
+              <a:rPr lang="en-US" sz="3000" dirty="0" smtClean="0"/>
               <a:t>be used for tracking the Pinecrest People Mover bus, show all stops, and estimate arrival time for the bus to a stop. </a:t>
             </a:r>
             <a:br>
-              <a:rPr lang="en-US" sz="3500" dirty="0" smtClean="0"/>
+              <a:rPr lang="en-US" sz="3000" dirty="0" smtClean="0"/>
             </a:br>
             <a:r>
-              <a:rPr lang="en-US" sz="3500" dirty="0" smtClean="0"/>
+              <a:rPr lang="en-US" sz="3000" dirty="0" smtClean="0"/>
               <a:t/>
             </a:r>
             <a:br>
-              <a:rPr lang="en-US" sz="3500" dirty="0" smtClean="0"/>
+              <a:rPr lang="en-US" sz="3000" dirty="0" smtClean="0"/>
             </a:br>
             <a:r>
-              <a:rPr lang="en-US" sz="3500" dirty="0" smtClean="0"/>
+              <a:rPr lang="en-US" sz="3000" dirty="0" smtClean="0"/>
               <a:t>With the help of Maurice </a:t>
             </a:r>
             <a:r>
-              <a:rPr lang="en-US" sz="3500" dirty="0" err="1" smtClean="0"/>
+              <a:rPr lang="en-US" sz="3000" dirty="0" err="1" smtClean="0"/>
               <a:t>Pruna</a:t>
             </a:r>
             <a:r>
-              <a:rPr lang="en-US" sz="3500" dirty="0" smtClean="0"/>
+              <a:rPr lang="en-US" sz="3000" dirty="0" smtClean="0"/>
               <a:t>, who was mainly in charge of the back end, the application will only have a 10 second delay when information is being updated. </a:t>
             </a:r>
             <a:br>
-              <a:rPr lang="en-US" sz="3500" dirty="0" smtClean="0"/>
+              <a:rPr lang="en-US" sz="3000" dirty="0" smtClean="0"/>
             </a:br>
             <a:r>
-              <a:rPr lang="en-US" sz="3500" dirty="0" smtClean="0"/>
+              <a:rPr lang="en-US" sz="3000" dirty="0" smtClean="0"/>
               <a:t/>
             </a:r>
             <a:br>
-              <a:rPr lang="en-US" sz="3500" dirty="0" smtClean="0"/>
+              <a:rPr lang="en-US" sz="3000" dirty="0" smtClean="0"/>
             </a:br>
             <a:r>
-              <a:rPr lang="en-US" sz="3500" dirty="0" smtClean="0"/>
+              <a:rPr lang="en-US" sz="3000" dirty="0" smtClean="0"/>
               <a:t>The application is compatible with both web and mobile devices.</a:t>
             </a:r>
-            <a:endParaRPr lang="en-US" sz="3500" dirty="0"/>
+            <a:endParaRPr lang="en-US" sz="3000" dirty="0"/>
           </a:p>
         </p:txBody>
       </p:sp>
@@ -6457,8 +6049,8 @@
         </p:nvSpPr>
         <p:spPr>
           <a:xfrm>
-            <a:off x="22326600" y="23850600"/>
-            <a:ext cx="9372600" cy="5478423"/>
+            <a:off x="22326600" y="24255948"/>
+            <a:ext cx="9372600" cy="3785652"/>
           </a:xfrm>
           <a:prstGeom prst="rect">
             <a:avLst/>
@@ -6472,194 +6064,22 @@
           <a:lstStyle/>
           <a:p>
             <a:r>
-              <a:rPr lang="en-US" sz="3500" dirty="0" smtClean="0"/>
+              <a:rPr lang="en-US" sz="3000" dirty="0" smtClean="0"/>
               <a:t>Testing for this project was divided into two sections: system testing and integration testing. Above is an example of a system test case.</a:t>
             </a:r>
             <a:br>
-              <a:rPr lang="en-US" sz="3500" dirty="0" smtClean="0"/>
+              <a:rPr lang="en-US" sz="3000" dirty="0" smtClean="0"/>
             </a:br>
-            <a:endParaRPr lang="en-US" sz="3500" dirty="0"/>
-          </a:p>
-          <a:p>
-            <a:r>
-              <a:rPr lang="en-US" sz="3500" b="1" dirty="0" smtClean="0"/>
+            <a:endParaRPr lang="en-US" sz="3000" dirty="0"/>
+          </a:p>
+          <a:p>
+            <a:r>
+              <a:rPr lang="en-US" sz="3000" b="1" dirty="0" smtClean="0"/>
               <a:t>System Testing </a:t>
             </a:r>
             <a:r>
-              <a:rPr lang="en-US" sz="3500" dirty="0" smtClean="0"/>
+              <a:rPr lang="en-US" sz="3000" dirty="0" smtClean="0"/>
               <a:t>– Dealt with the overall interaction of the user with the system, which was done manually. For each requirement, 3 test cases were completed, two sunny day and one rainy day</a:t>
-            </a:r>
-          </a:p>
-        </p:txBody>
-      </p:sp>
-      <p:sp>
-        <p:nvSpPr>
-          <p:cNvPr id="215" name="Text Box 19"/>
-          <p:cNvSpPr txBox="1">
-            <a:spLocks noChangeArrowheads="1"/>
-          </p:cNvSpPr>
-          <p:nvPr/>
-        </p:nvSpPr>
-        <p:spPr bwMode="auto">
-          <a:xfrm>
-            <a:off x="4114800" y="5973763"/>
-            <a:ext cx="5486400" cy="731837"/>
-          </a:xfrm>
-          <a:prstGeom prst="rect">
-            <a:avLst/>
-          </a:prstGeom>
-          <a:solidFill>
-            <a:srgbClr val="B6A674"/>
-          </a:solidFill>
-          <a:ln>
-            <a:headEnd/>
-            <a:tailEnd/>
-          </a:ln>
-        </p:spPr>
-        <p:style>
-          <a:lnRef idx="1">
-            <a:schemeClr val="dk1"/>
-          </a:lnRef>
-          <a:fillRef idx="2">
-            <a:schemeClr val="dk1"/>
-          </a:fillRef>
-          <a:effectRef idx="1">
-            <a:schemeClr val="dk1"/>
-          </a:effectRef>
-          <a:fontRef idx="minor">
-            <a:schemeClr val="dk1"/>
-          </a:fontRef>
-        </p:style>
-        <p:txBody>
-          <a:bodyPr lIns="98655" tIns="49327" rIns="98655" bIns="49327">
-            <a:spAutoFit/>
-          </a:bodyPr>
-          <a:lstStyle>
-            <a:lvl1pPr defTabSz="985838" eaLnBrk="0" hangingPunct="0">
-              <a:defRPr sz="8400">
-                <a:solidFill>
-                  <a:schemeClr val="tx1"/>
-                </a:solidFill>
-                <a:latin typeface="Arial" charset="0"/>
-                <a:ea typeface="ＭＳ Ｐゴシック" charset="0"/>
-                <a:cs typeface="ＭＳ Ｐゴシック" charset="0"/>
-              </a:defRPr>
-            </a:lvl1pPr>
-            <a:lvl2pPr marL="37931725" indent="-37474525" defTabSz="985838" eaLnBrk="0" hangingPunct="0">
-              <a:defRPr sz="8400">
-                <a:solidFill>
-                  <a:schemeClr val="tx1"/>
-                </a:solidFill>
-                <a:latin typeface="Arial" charset="0"/>
-                <a:ea typeface="ＭＳ Ｐゴシック" charset="0"/>
-              </a:defRPr>
-            </a:lvl2pPr>
-            <a:lvl3pPr eaLnBrk="0" hangingPunct="0">
-              <a:defRPr sz="8400">
-                <a:solidFill>
-                  <a:schemeClr val="tx1"/>
-                </a:solidFill>
-                <a:latin typeface="Arial" charset="0"/>
-                <a:ea typeface="ＭＳ Ｐゴシック" charset="0"/>
-              </a:defRPr>
-            </a:lvl3pPr>
-            <a:lvl4pPr eaLnBrk="0" hangingPunct="0">
-              <a:defRPr sz="8400">
-                <a:solidFill>
-                  <a:schemeClr val="tx1"/>
-                </a:solidFill>
-                <a:latin typeface="Arial" charset="0"/>
-                <a:ea typeface="ＭＳ Ｐゴシック" charset="0"/>
-              </a:defRPr>
-            </a:lvl4pPr>
-            <a:lvl5pPr eaLnBrk="0" hangingPunct="0">
-              <a:defRPr sz="8400">
-                <a:solidFill>
-                  <a:schemeClr val="tx1"/>
-                </a:solidFill>
-                <a:latin typeface="Arial" charset="0"/>
-                <a:ea typeface="ＭＳ Ｐゴシック" charset="0"/>
-              </a:defRPr>
-            </a:lvl5pPr>
-            <a:lvl6pPr marL="457200" eaLnBrk="0" fontAlgn="base" hangingPunct="0">
-              <a:spcBef>
-                <a:spcPct val="0"/>
-              </a:spcBef>
-              <a:spcAft>
-                <a:spcPct val="0"/>
-              </a:spcAft>
-              <a:defRPr sz="8400">
-                <a:solidFill>
-                  <a:schemeClr val="tx1"/>
-                </a:solidFill>
-                <a:latin typeface="Arial" charset="0"/>
-                <a:ea typeface="ＭＳ Ｐゴシック" charset="0"/>
-              </a:defRPr>
-            </a:lvl6pPr>
-            <a:lvl7pPr marL="914400" eaLnBrk="0" fontAlgn="base" hangingPunct="0">
-              <a:spcBef>
-                <a:spcPct val="0"/>
-              </a:spcBef>
-              <a:spcAft>
-                <a:spcPct val="0"/>
-              </a:spcAft>
-              <a:defRPr sz="8400">
-                <a:solidFill>
-                  <a:schemeClr val="tx1"/>
-                </a:solidFill>
-                <a:latin typeface="Arial" charset="0"/>
-                <a:ea typeface="ＭＳ Ｐゴシック" charset="0"/>
-              </a:defRPr>
-            </a:lvl7pPr>
-            <a:lvl8pPr marL="1371600" eaLnBrk="0" fontAlgn="base" hangingPunct="0">
-              <a:spcBef>
-                <a:spcPct val="0"/>
-              </a:spcBef>
-              <a:spcAft>
-                <a:spcPct val="0"/>
-              </a:spcAft>
-              <a:defRPr sz="8400">
-                <a:solidFill>
-                  <a:schemeClr val="tx1"/>
-                </a:solidFill>
-                <a:latin typeface="Arial" charset="0"/>
-                <a:ea typeface="ＭＳ Ｐゴシック" charset="0"/>
-              </a:defRPr>
-            </a:lvl8pPr>
-            <a:lvl9pPr marL="1828800" eaLnBrk="0" fontAlgn="base" hangingPunct="0">
-              <a:spcBef>
-                <a:spcPct val="0"/>
-              </a:spcBef>
-              <a:spcAft>
-                <a:spcPct val="0"/>
-              </a:spcAft>
-              <a:defRPr sz="8400">
-                <a:solidFill>
-                  <a:schemeClr val="tx1"/>
-                </a:solidFill>
-                <a:latin typeface="Arial" charset="0"/>
-                <a:ea typeface="ＭＳ Ｐゴシック" charset="0"/>
-              </a:defRPr>
-            </a:lvl9pPr>
-          </a:lstStyle>
-          <a:p>
-            <a:pPr algn="ctr" eaLnBrk="1" hangingPunct="1">
-              <a:spcBef>
-                <a:spcPct val="50000"/>
-              </a:spcBef>
-            </a:pPr>
-            <a:r>
-              <a:rPr lang="en-US" sz="4100" b="1" dirty="0">
-                <a:solidFill>
-                  <a:srgbClr val="1B390A"/>
-                </a:solidFill>
-                <a:effectLst>
-                  <a:outerShdw blurRad="38100" dist="38100" dir="2700000" algn="tl">
-                    <a:srgbClr val="DDDDDD"/>
-                  </a:outerShdw>
-                </a:effectLst>
-              </a:rPr>
-              <a:t>Problem</a:t>
             </a:r>
           </a:p>
         </p:txBody>
@@ -6686,12 +6106,12 @@
           <a:graphicData uri="http://schemas.openxmlformats.org/presentationml/2006/ole">
             <mc:AlternateContent xmlns:mc="http://schemas.openxmlformats.org/markup-compatibility/2006">
               <mc:Choice xmlns:v="urn:schemas-microsoft-com:vml" Requires="v">
-                <p:oleObj spid="_x0000_s1034" name="Document" r:id="rId11" imgW="5638800" imgH="2413000" progId="Word.Document.12">
+                <p:oleObj spid="_x0000_s1040" name="Document" r:id="rId9" imgW="5638800" imgH="2413000" progId="Word.Document.12">
                   <p:embed/>
                 </p:oleObj>
               </mc:Choice>
               <mc:Fallback>
-                <p:oleObj name="Document" r:id="rId11" imgW="5638800" imgH="2413000" progId="Word.Document.12">
+                <p:oleObj name="Document" r:id="rId9" imgW="5638800" imgH="2413000" progId="Word.Document.12">
                   <p:embed/>
                   <p:pic>
                     <p:nvPicPr>
@@ -6700,7 +6120,7 @@
                       <p:nvPr/>
                     </p:nvPicPr>
                     <p:blipFill>
-                      <a:blip r:embed="rId12"/>
+                      <a:blip r:embed="rId10"/>
                       <a:stretch>
                         <a:fillRect/>
                       </a:stretch>
@@ -6730,7 +6150,7 @@
           <p:nvPr/>
         </p:nvPicPr>
         <p:blipFill>
-          <a:blip r:embed="rId13">
+          <a:blip r:embed="rId11">
             <a:extLst>
               <a:ext uri="{28A0092B-C50C-407E-A947-70E740481C1C}">
                 <a14:useLocalDpi xmlns:a14="http://schemas.microsoft.com/office/drawing/2010/main" val="0"/>
@@ -6760,7 +6180,7 @@
           <p:nvPr/>
         </p:nvPicPr>
         <p:blipFill>
-          <a:blip r:embed="rId14">
+          <a:blip r:embed="rId12">
             <a:extLst>
               <a:ext uri="{28A0092B-C50C-407E-A947-70E740481C1C}">
                 <a14:useLocalDpi xmlns:a14="http://schemas.microsoft.com/office/drawing/2010/main" val="0"/>
@@ -6784,6 +6204,688 @@
       <p:pic>
         <p:nvPicPr>
           <p:cNvPr id="29" name="Picture 28" descr="EstimatedTime.png"/>
+          <p:cNvPicPr>
+            <a:picLocks noChangeAspect="1"/>
+          </p:cNvPicPr>
+          <p:nvPr/>
+        </p:nvPicPr>
+        <p:blipFill>
+          <a:blip r:embed="rId13">
+            <a:extLst>
+              <a:ext uri="{28A0092B-C50C-407E-A947-70E740481C1C}">
+                <a14:useLocalDpi xmlns:a14="http://schemas.microsoft.com/office/drawing/2010/main" val="0"/>
+              </a:ext>
+            </a:extLst>
+          </a:blip>
+          <a:stretch>
+            <a:fillRect/>
+          </a:stretch>
+        </p:blipFill>
+        <p:spPr>
+          <a:xfrm>
+            <a:off x="1752600" y="19758464"/>
+            <a:ext cx="9144000" cy="8600064"/>
+          </a:xfrm>
+          <a:prstGeom prst="rect">
+            <a:avLst/>
+          </a:prstGeom>
+        </p:spPr>
+      </p:pic>
+      <p:sp>
+        <p:nvSpPr>
+          <p:cNvPr id="30" name="Rectangle 29"/>
+          <p:cNvSpPr/>
+          <p:nvPr/>
+        </p:nvSpPr>
+        <p:spPr bwMode="auto">
+          <a:xfrm>
+            <a:off x="1371600" y="6858000"/>
+            <a:ext cx="30251400" cy="11353800"/>
+          </a:xfrm>
+          <a:prstGeom prst="rect">
+            <a:avLst/>
+          </a:prstGeom>
+          <a:solidFill>
+            <a:srgbClr val="FFFFFF"/>
+          </a:solidFill>
+          <a:ln w="9525" cap="flat" cmpd="sng" algn="ctr">
+            <a:noFill/>
+            <a:prstDash val="solid"/>
+            <a:round/>
+            <a:headEnd type="none" w="med" len="med"/>
+            <a:tailEnd type="none" w="med" len="med"/>
+          </a:ln>
+          <a:effectLst/>
+        </p:spPr>
+        <p:txBody>
+          <a:bodyPr vert="horz" wrap="square" lIns="91440" tIns="45720" rIns="91440" bIns="45720" numCol="1" rtlCol="0" anchor="t" anchorCtr="0" compatLnSpc="1">
+            <a:prstTxWarp prst="textNoShape">
+              <a:avLst/>
+            </a:prstTxWarp>
+          </a:bodyPr>
+          <a:lstStyle/>
+          <a:p>
+            <a:pPr marL="0" marR="0" indent="0" algn="l" defTabSz="4284663" rtl="0" eaLnBrk="1" fontAlgn="base" latinLnBrk="0" hangingPunct="1">
+              <a:lnSpc>
+                <a:spcPct val="100000"/>
+              </a:lnSpc>
+              <a:spcBef>
+                <a:spcPct val="0"/>
+              </a:spcBef>
+              <a:spcAft>
+                <a:spcPct val="0"/>
+              </a:spcAft>
+              <a:buClrTx/>
+              <a:buSzTx/>
+              <a:buFontTx/>
+              <a:buNone/>
+              <a:tabLst/>
+            </a:pPr>
+            <a:endParaRPr kumimoji="0" lang="en-US" sz="8400" b="0" i="0" u="none" strike="noStrike" cap="none" normalizeH="0" baseline="0" smtClean="0">
+              <a:ln>
+                <a:noFill/>
+              </a:ln>
+              <a:solidFill>
+                <a:schemeClr val="tx1"/>
+              </a:solidFill>
+              <a:effectLst/>
+              <a:latin typeface="Arial" charset="0"/>
+            </a:endParaRPr>
+          </a:p>
+        </p:txBody>
+      </p:sp>
+      <p:sp>
+        <p:nvSpPr>
+          <p:cNvPr id="12" name="TextBox 11"/>
+          <p:cNvSpPr txBox="1">
+            <a:spLocks/>
+          </p:cNvSpPr>
+          <p:nvPr/>
+        </p:nvSpPr>
+        <p:spPr>
+          <a:xfrm>
+            <a:off x="2895600" y="7604165"/>
+            <a:ext cx="8077200" cy="7940635"/>
+          </a:xfrm>
+          <a:prstGeom prst="rect">
+            <a:avLst/>
+          </a:prstGeom>
+          <a:noFill/>
+        </p:spPr>
+        <p:txBody>
+          <a:bodyPr wrap="square" rtlCol="0">
+            <a:spAutoFit/>
+          </a:bodyPr>
+          <a:lstStyle/>
+          <a:p>
+            <a:r>
+              <a:rPr lang="en-US" sz="3000" dirty="0" smtClean="0"/>
+              <a:t>The Pinecrest People Mover goes beyond the limits of a regular school bus. </a:t>
+            </a:r>
+          </a:p>
+          <a:p>
+            <a:pPr marL="457200" indent="-457200">
+              <a:buFont typeface="Arial"/>
+              <a:buChar char="•"/>
+            </a:pPr>
+            <a:r>
+              <a:rPr lang="en-US" sz="3000" dirty="0" smtClean="0"/>
+              <a:t>Trolley gives students in the Village of Pinecrest an opportunity arrive to their local middle and high school from a location close to home.</a:t>
+            </a:r>
+          </a:p>
+          <a:p>
+            <a:pPr marL="457200" indent="-457200">
+              <a:buFont typeface="Arial"/>
+              <a:buChar char="•"/>
+            </a:pPr>
+            <a:r>
+              <a:rPr lang="en-US" sz="3000" dirty="0"/>
+              <a:t>C</a:t>
+            </a:r>
+            <a:r>
+              <a:rPr lang="en-US" sz="3000" dirty="0" smtClean="0"/>
+              <a:t>urrently there is no system that will keep track of these trolleys. </a:t>
+            </a:r>
+            <a:endParaRPr lang="en-US" sz="3000" dirty="0"/>
+          </a:p>
+          <a:p>
+            <a:pPr marL="457200" indent="-457200">
+              <a:buFont typeface="Arial"/>
+              <a:buChar char="•"/>
+            </a:pPr>
+            <a:r>
+              <a:rPr lang="en-US" sz="3000" dirty="0" smtClean="0"/>
+              <a:t>Parents and students do not know how far a trolley is from their stop nor have the knowledge of the closest stop to their location.</a:t>
+            </a:r>
+            <a:br>
+              <a:rPr lang="en-US" sz="3000" dirty="0" smtClean="0"/>
+            </a:br>
+            <a:endParaRPr lang="en-US" sz="3000" dirty="0" smtClean="0"/>
+          </a:p>
+          <a:p>
+            <a:r>
+              <a:rPr lang="en-US" sz="3000" b="1" i="1" dirty="0" smtClean="0"/>
+              <a:t> The problem I had to tackle was to show the estimated arrival time of the bus for a particular stop, the location of the stop, and display the routes.</a:t>
+            </a:r>
+            <a:endParaRPr lang="en-US" sz="3000" b="1" i="1" dirty="0"/>
+          </a:p>
+        </p:txBody>
+      </p:sp>
+      <p:sp>
+        <p:nvSpPr>
+          <p:cNvPr id="6" name="TextBox 5"/>
+          <p:cNvSpPr txBox="1"/>
+          <p:nvPr/>
+        </p:nvSpPr>
+        <p:spPr>
+          <a:xfrm>
+            <a:off x="13030200" y="7696200"/>
+            <a:ext cx="7239000" cy="3785652"/>
+          </a:xfrm>
+          <a:prstGeom prst="rect">
+            <a:avLst/>
+          </a:prstGeom>
+          <a:noFill/>
+        </p:spPr>
+        <p:txBody>
+          <a:bodyPr wrap="square" rtlCol="0">
+            <a:spAutoFit/>
+          </a:bodyPr>
+          <a:lstStyle/>
+          <a:p>
+            <a:r>
+              <a:rPr lang="en-US" sz="3000" dirty="0" smtClean="0"/>
+              <a:t>Currently, there are several trolley or bus trackers in Miami. However, there are no applications that focus only on the Village of Pinecrest. </a:t>
+            </a:r>
+            <a:br>
+              <a:rPr lang="en-US" sz="3000" dirty="0" smtClean="0"/>
+            </a:br>
+            <a:r>
+              <a:rPr lang="en-US" sz="3000" dirty="0" smtClean="0"/>
+              <a:t/>
+            </a:r>
+            <a:br>
+              <a:rPr lang="en-US" sz="3000" dirty="0" smtClean="0"/>
+            </a:br>
+            <a:r>
+              <a:rPr lang="en-US" sz="3000" b="1" dirty="0" smtClean="0"/>
+              <a:t>This application was made from scratch with the residents of Pinecrest in mind.</a:t>
+            </a:r>
+            <a:endParaRPr lang="en-US" sz="3000" b="1" dirty="0"/>
+          </a:p>
+        </p:txBody>
+      </p:sp>
+      <p:sp>
+        <p:nvSpPr>
+          <p:cNvPr id="7" name="TextBox 6"/>
+          <p:cNvSpPr txBox="1"/>
+          <p:nvPr/>
+        </p:nvSpPr>
+        <p:spPr>
+          <a:xfrm>
+            <a:off x="23012400" y="7792283"/>
+            <a:ext cx="7543800" cy="4247317"/>
+          </a:xfrm>
+          <a:prstGeom prst="rect">
+            <a:avLst/>
+          </a:prstGeom>
+          <a:noFill/>
+        </p:spPr>
+        <p:txBody>
+          <a:bodyPr wrap="square" rtlCol="0">
+            <a:spAutoFit/>
+          </a:bodyPr>
+          <a:lstStyle/>
+          <a:p>
+            <a:pPr algn="ctr"/>
+            <a:r>
+              <a:rPr lang="en-US" sz="3000" dirty="0" smtClean="0"/>
+              <a:t>Requirements implemented per request of the client that I developed:</a:t>
+            </a:r>
+          </a:p>
+          <a:p>
+            <a:endParaRPr lang="en-US" sz="3000" dirty="0" smtClean="0"/>
+          </a:p>
+          <a:p>
+            <a:pPr marL="457200" indent="-457200">
+              <a:buFont typeface="Wingdings" charset="2"/>
+              <a:buChar char="ü"/>
+            </a:pPr>
+            <a:r>
+              <a:rPr lang="en-US" sz="3000" dirty="0" smtClean="0"/>
+              <a:t>Estimated Time for Given Stop</a:t>
+            </a:r>
+          </a:p>
+          <a:p>
+            <a:pPr marL="457200" indent="-457200">
+              <a:buFont typeface="Wingdings" charset="2"/>
+              <a:buChar char="ü"/>
+            </a:pPr>
+            <a:r>
+              <a:rPr lang="en-US" sz="3000" dirty="0" smtClean="0"/>
+              <a:t>Estimated Time for Favorite Stop</a:t>
+            </a:r>
+          </a:p>
+          <a:p>
+            <a:pPr marL="457200" indent="-457200">
+              <a:buFont typeface="Wingdings" charset="2"/>
+              <a:buChar char="ü"/>
+            </a:pPr>
+            <a:r>
+              <a:rPr lang="en-US" sz="3000" dirty="0" smtClean="0"/>
+              <a:t>Display stops on map</a:t>
+            </a:r>
+          </a:p>
+          <a:p>
+            <a:pPr marL="457200" indent="-457200">
+              <a:buFont typeface="Wingdings" charset="2"/>
+              <a:buChar char="ü"/>
+            </a:pPr>
+            <a:r>
+              <a:rPr lang="en-US" sz="3000" dirty="0" smtClean="0"/>
+              <a:t>Display routes on map using Waypoints</a:t>
+            </a:r>
+          </a:p>
+          <a:p>
+            <a:pPr marL="457200" indent="-457200">
+              <a:buFont typeface="Wingdings" charset="2"/>
+              <a:buChar char="ü"/>
+            </a:pPr>
+            <a:r>
+              <a:rPr lang="en-US" sz="3000" dirty="0" smtClean="0"/>
+              <a:t>Display routes in list view</a:t>
+            </a:r>
+          </a:p>
+          <a:p>
+            <a:pPr marL="457200" indent="-457200">
+              <a:buFont typeface="Wingdings" charset="2"/>
+              <a:buChar char="ü"/>
+            </a:pPr>
+            <a:r>
+              <a:rPr lang="en-US" sz="3000" dirty="0" smtClean="0"/>
+              <a:t>Find nearest stop for current location</a:t>
+            </a:r>
+          </a:p>
+        </p:txBody>
+      </p:sp>
+      <p:sp>
+        <p:nvSpPr>
+          <p:cNvPr id="36" name="Text Box 19"/>
+          <p:cNvSpPr txBox="1">
+            <a:spLocks noChangeArrowheads="1"/>
+          </p:cNvSpPr>
+          <p:nvPr/>
+        </p:nvSpPr>
+        <p:spPr bwMode="auto">
+          <a:xfrm>
+            <a:off x="13639800" y="12039600"/>
+            <a:ext cx="5486400" cy="731838"/>
+          </a:xfrm>
+          <a:prstGeom prst="rect">
+            <a:avLst/>
+          </a:prstGeom>
+          <a:solidFill>
+            <a:srgbClr val="B6A674"/>
+          </a:solidFill>
+          <a:ln>
+            <a:headEnd/>
+            <a:tailEnd/>
+          </a:ln>
+        </p:spPr>
+        <p:style>
+          <a:lnRef idx="1">
+            <a:schemeClr val="dk1"/>
+          </a:lnRef>
+          <a:fillRef idx="2">
+            <a:schemeClr val="dk1"/>
+          </a:fillRef>
+          <a:effectRef idx="1">
+            <a:schemeClr val="dk1"/>
+          </a:effectRef>
+          <a:fontRef idx="minor">
+            <a:schemeClr val="dk1"/>
+          </a:fontRef>
+        </p:style>
+        <p:txBody>
+          <a:bodyPr lIns="98655" tIns="49327" rIns="98655" bIns="49327">
+            <a:spAutoFit/>
+          </a:bodyPr>
+          <a:lstStyle>
+            <a:lvl1pPr defTabSz="985838" eaLnBrk="0" hangingPunct="0">
+              <a:defRPr sz="8400">
+                <a:solidFill>
+                  <a:schemeClr val="tx1"/>
+                </a:solidFill>
+                <a:latin typeface="Arial" charset="0"/>
+                <a:ea typeface="ＭＳ Ｐゴシック" charset="0"/>
+                <a:cs typeface="ＭＳ Ｐゴシック" charset="0"/>
+              </a:defRPr>
+            </a:lvl1pPr>
+            <a:lvl2pPr marL="37931725" indent="-37474525" defTabSz="985838" eaLnBrk="0" hangingPunct="0">
+              <a:defRPr sz="8400">
+                <a:solidFill>
+                  <a:schemeClr val="tx1"/>
+                </a:solidFill>
+                <a:latin typeface="Arial" charset="0"/>
+                <a:ea typeface="ＭＳ Ｐゴシック" charset="0"/>
+              </a:defRPr>
+            </a:lvl2pPr>
+            <a:lvl3pPr eaLnBrk="0" hangingPunct="0">
+              <a:defRPr sz="8400">
+                <a:solidFill>
+                  <a:schemeClr val="tx1"/>
+                </a:solidFill>
+                <a:latin typeface="Arial" charset="0"/>
+                <a:ea typeface="ＭＳ Ｐゴシック" charset="0"/>
+              </a:defRPr>
+            </a:lvl3pPr>
+            <a:lvl4pPr eaLnBrk="0" hangingPunct="0">
+              <a:defRPr sz="8400">
+                <a:solidFill>
+                  <a:schemeClr val="tx1"/>
+                </a:solidFill>
+                <a:latin typeface="Arial" charset="0"/>
+                <a:ea typeface="ＭＳ Ｐゴシック" charset="0"/>
+              </a:defRPr>
+            </a:lvl4pPr>
+            <a:lvl5pPr eaLnBrk="0" hangingPunct="0">
+              <a:defRPr sz="8400">
+                <a:solidFill>
+                  <a:schemeClr val="tx1"/>
+                </a:solidFill>
+                <a:latin typeface="Arial" charset="0"/>
+                <a:ea typeface="ＭＳ Ｐゴシック" charset="0"/>
+              </a:defRPr>
+            </a:lvl5pPr>
+            <a:lvl6pPr marL="457200" eaLnBrk="0" fontAlgn="base" hangingPunct="0">
+              <a:spcBef>
+                <a:spcPct val="0"/>
+              </a:spcBef>
+              <a:spcAft>
+                <a:spcPct val="0"/>
+              </a:spcAft>
+              <a:defRPr sz="8400">
+                <a:solidFill>
+                  <a:schemeClr val="tx1"/>
+                </a:solidFill>
+                <a:latin typeface="Arial" charset="0"/>
+                <a:ea typeface="ＭＳ Ｐゴシック" charset="0"/>
+              </a:defRPr>
+            </a:lvl6pPr>
+            <a:lvl7pPr marL="914400" eaLnBrk="0" fontAlgn="base" hangingPunct="0">
+              <a:spcBef>
+                <a:spcPct val="0"/>
+              </a:spcBef>
+              <a:spcAft>
+                <a:spcPct val="0"/>
+              </a:spcAft>
+              <a:defRPr sz="8400">
+                <a:solidFill>
+                  <a:schemeClr val="tx1"/>
+                </a:solidFill>
+                <a:latin typeface="Arial" charset="0"/>
+                <a:ea typeface="ＭＳ Ｐゴシック" charset="0"/>
+              </a:defRPr>
+            </a:lvl7pPr>
+            <a:lvl8pPr marL="1371600" eaLnBrk="0" fontAlgn="base" hangingPunct="0">
+              <a:spcBef>
+                <a:spcPct val="0"/>
+              </a:spcBef>
+              <a:spcAft>
+                <a:spcPct val="0"/>
+              </a:spcAft>
+              <a:defRPr sz="8400">
+                <a:solidFill>
+                  <a:schemeClr val="tx1"/>
+                </a:solidFill>
+                <a:latin typeface="Arial" charset="0"/>
+                <a:ea typeface="ＭＳ Ｐゴシック" charset="0"/>
+              </a:defRPr>
+            </a:lvl8pPr>
+            <a:lvl9pPr marL="1828800" eaLnBrk="0" fontAlgn="base" hangingPunct="0">
+              <a:spcBef>
+                <a:spcPct val="0"/>
+              </a:spcBef>
+              <a:spcAft>
+                <a:spcPct val="0"/>
+              </a:spcAft>
+              <a:defRPr sz="8400">
+                <a:solidFill>
+                  <a:schemeClr val="tx1"/>
+                </a:solidFill>
+                <a:latin typeface="Arial" charset="0"/>
+                <a:ea typeface="ＭＳ Ｐゴシック" charset="0"/>
+              </a:defRPr>
+            </a:lvl9pPr>
+          </a:lstStyle>
+          <a:p>
+            <a:pPr algn="ctr" eaLnBrk="1" hangingPunct="1">
+              <a:spcBef>
+                <a:spcPct val="50000"/>
+              </a:spcBef>
+            </a:pPr>
+            <a:r>
+              <a:rPr lang="en-US" sz="4100" b="1" dirty="0">
+                <a:solidFill>
+                  <a:srgbClr val="1B390A"/>
+                </a:solidFill>
+                <a:effectLst>
+                  <a:outerShdw blurRad="38100" dist="38100" dir="2700000" algn="tl">
+                    <a:srgbClr val="DDDDDD"/>
+                  </a:outerShdw>
+                </a:effectLst>
+              </a:rPr>
+              <a:t>System Design</a:t>
+            </a:r>
+          </a:p>
+        </p:txBody>
+      </p:sp>
+      <p:pic>
+        <p:nvPicPr>
+          <p:cNvPr id="46" name="Picture 45"/>
+          <p:cNvPicPr/>
+          <p:nvPr/>
+        </p:nvPicPr>
+        <p:blipFill>
+          <a:blip r:embed="rId14">
+            <a:extLst>
+              <a:ext uri="{28A0092B-C50C-407E-A947-70E740481C1C}">
+                <a14:useLocalDpi xmlns:a14="http://schemas.microsoft.com/office/drawing/2010/main" val="0"/>
+              </a:ext>
+            </a:extLst>
+          </a:blip>
+          <a:stretch>
+            <a:fillRect/>
+          </a:stretch>
+        </p:blipFill>
+        <p:spPr>
+          <a:xfrm>
+            <a:off x="12877800" y="13106400"/>
+            <a:ext cx="7010400" cy="4191000"/>
+          </a:xfrm>
+          <a:prstGeom prst="rect">
+            <a:avLst/>
+          </a:prstGeom>
+        </p:spPr>
+      </p:pic>
+      <p:sp>
+        <p:nvSpPr>
+          <p:cNvPr id="31" name="Rectangle 30"/>
+          <p:cNvSpPr/>
+          <p:nvPr/>
+        </p:nvSpPr>
+        <p:spPr bwMode="auto">
+          <a:xfrm rot="5400000">
+            <a:off x="7429500" y="23126700"/>
+            <a:ext cx="18592800" cy="9220200"/>
+          </a:xfrm>
+          <a:prstGeom prst="rect">
+            <a:avLst/>
+          </a:prstGeom>
+          <a:solidFill>
+            <a:srgbClr val="1A3908"/>
+          </a:solidFill>
+          <a:ln w="9525" cap="flat" cmpd="sng" algn="ctr">
+            <a:noFill/>
+            <a:prstDash val="solid"/>
+            <a:round/>
+            <a:headEnd type="none" w="med" len="med"/>
+            <a:tailEnd type="none" w="med" len="med"/>
+          </a:ln>
+          <a:effectLst/>
+        </p:spPr>
+        <p:txBody>
+          <a:bodyPr vert="horz" wrap="square" lIns="91440" tIns="45720" rIns="91440" bIns="45720" numCol="1" rtlCol="0" anchor="t" anchorCtr="0" compatLnSpc="1">
+            <a:prstTxWarp prst="textNoShape">
+              <a:avLst/>
+            </a:prstTxWarp>
+          </a:bodyPr>
+          <a:lstStyle/>
+          <a:p>
+            <a:pPr marL="0" marR="0" indent="0" algn="l" defTabSz="4284663" rtl="0" eaLnBrk="1" fontAlgn="base" latinLnBrk="0" hangingPunct="1">
+              <a:lnSpc>
+                <a:spcPct val="100000"/>
+              </a:lnSpc>
+              <a:spcBef>
+                <a:spcPct val="0"/>
+              </a:spcBef>
+              <a:spcAft>
+                <a:spcPct val="0"/>
+              </a:spcAft>
+              <a:buClrTx/>
+              <a:buSzTx/>
+              <a:buFontTx/>
+              <a:buNone/>
+              <a:tabLst/>
+            </a:pPr>
+            <a:endParaRPr kumimoji="0" lang="en-US" sz="8400" b="0" i="0" u="none" strike="noStrike" cap="none" normalizeH="0" baseline="0" smtClean="0">
+              <a:ln>
+                <a:noFill/>
+              </a:ln>
+              <a:solidFill>
+                <a:schemeClr val="tx1"/>
+              </a:solidFill>
+              <a:effectLst/>
+              <a:latin typeface="Arial" charset="0"/>
+            </a:endParaRPr>
+          </a:p>
+        </p:txBody>
+      </p:sp>
+      <p:sp>
+        <p:nvSpPr>
+          <p:cNvPr id="21" name="TextBox 20"/>
+          <p:cNvSpPr txBox="1"/>
+          <p:nvPr/>
+        </p:nvSpPr>
+        <p:spPr>
+          <a:xfrm>
+            <a:off x="14554200" y="34594800"/>
+            <a:ext cx="4191000" cy="1631216"/>
+          </a:xfrm>
+          <a:prstGeom prst="rect">
+            <a:avLst/>
+          </a:prstGeom>
+          <a:noFill/>
+        </p:spPr>
+        <p:txBody>
+          <a:bodyPr wrap="square" rtlCol="0">
+            <a:spAutoFit/>
+          </a:bodyPr>
+          <a:lstStyle/>
+          <a:p>
+            <a:r>
+              <a:rPr lang="en-US" sz="2500" dirty="0" smtClean="0">
+                <a:solidFill>
+                  <a:srgbClr val="B6A674"/>
+                </a:solidFill>
+              </a:rPr>
+              <a:t>Code in the backend was done in the </a:t>
+            </a:r>
+          </a:p>
+          <a:p>
+            <a:r>
+              <a:rPr lang="en-US" sz="2500" dirty="0" smtClean="0">
+                <a:solidFill>
+                  <a:srgbClr val="B6A674"/>
+                </a:solidFill>
+              </a:rPr>
+              <a:t>Spring Tool Suite: </a:t>
+            </a:r>
+          </a:p>
+          <a:p>
+            <a:r>
+              <a:rPr lang="en-US" sz="2500" dirty="0" smtClean="0">
+                <a:solidFill>
+                  <a:srgbClr val="B6A674"/>
+                </a:solidFill>
+              </a:rPr>
+              <a:t>Estimated Time</a:t>
+            </a:r>
+            <a:endParaRPr lang="en-US" sz="2500" dirty="0">
+              <a:solidFill>
+                <a:srgbClr val="B6A674"/>
+              </a:solidFill>
+            </a:endParaRPr>
+          </a:p>
+        </p:txBody>
+      </p:sp>
+      <p:sp>
+        <p:nvSpPr>
+          <p:cNvPr id="22" name="TextBox 21"/>
+          <p:cNvSpPr txBox="1"/>
+          <p:nvPr/>
+        </p:nvSpPr>
+        <p:spPr>
+          <a:xfrm>
+            <a:off x="14859000" y="25755600"/>
+            <a:ext cx="3505200" cy="2015936"/>
+          </a:xfrm>
+          <a:prstGeom prst="rect">
+            <a:avLst/>
+          </a:prstGeom>
+          <a:noFill/>
+        </p:spPr>
+        <p:txBody>
+          <a:bodyPr wrap="square" rtlCol="0">
+            <a:spAutoFit/>
+          </a:bodyPr>
+          <a:lstStyle/>
+          <a:p>
+            <a:r>
+              <a:rPr lang="en-US" sz="2500" dirty="0" smtClean="0">
+                <a:solidFill>
+                  <a:srgbClr val="B6A674"/>
+                </a:solidFill>
+              </a:rPr>
+              <a:t>Sublime Text 2 was used to develop the </a:t>
+            </a:r>
+            <a:r>
+              <a:rPr lang="en-US" sz="2500" dirty="0">
+                <a:solidFill>
+                  <a:srgbClr val="B6A674"/>
+                </a:solidFill>
+              </a:rPr>
+              <a:t>S</a:t>
+            </a:r>
+            <a:r>
+              <a:rPr lang="en-US" sz="2500" dirty="0" smtClean="0">
+                <a:solidFill>
+                  <a:srgbClr val="B6A674"/>
+                </a:solidFill>
+              </a:rPr>
+              <a:t>encha application. Here you can see the Map Controller.</a:t>
+            </a:r>
+            <a:endParaRPr lang="en-US" sz="2500" dirty="0">
+              <a:solidFill>
+                <a:srgbClr val="B6A674"/>
+              </a:solidFill>
+            </a:endParaRPr>
+          </a:p>
+        </p:txBody>
+      </p:sp>
+      <p:pic>
+        <p:nvPicPr>
+          <p:cNvPr id="25" name="Picture 24" descr="Screen Shot 2014-12-03 at 8.28.46 PM.png"/>
           <p:cNvPicPr>
             <a:picLocks noChangeAspect="1"/>
           </p:cNvPicPr>
@@ -6803,717 +6905,6 @@
         </p:blipFill>
         <p:spPr>
           <a:xfrm>
-            <a:off x="1752600" y="19758464"/>
-            <a:ext cx="9144000" cy="8600064"/>
-          </a:xfrm>
-          <a:prstGeom prst="rect">
-            <a:avLst/>
-          </a:prstGeom>
-        </p:spPr>
-      </p:pic>
-      <p:sp>
-        <p:nvSpPr>
-          <p:cNvPr id="30" name="Rectangle 29"/>
-          <p:cNvSpPr/>
-          <p:nvPr/>
-        </p:nvSpPr>
-        <p:spPr bwMode="auto">
-          <a:xfrm>
-            <a:off x="1371600" y="6858000"/>
-            <a:ext cx="30251400" cy="11353800"/>
-          </a:xfrm>
-          <a:prstGeom prst="rect">
-            <a:avLst/>
-          </a:prstGeom>
-          <a:solidFill>
-            <a:srgbClr val="FFFFFF"/>
-          </a:solidFill>
-          <a:ln w="9525" cap="flat" cmpd="sng" algn="ctr">
-            <a:noFill/>
-            <a:prstDash val="solid"/>
-            <a:round/>
-            <a:headEnd type="none" w="med" len="med"/>
-            <a:tailEnd type="none" w="med" len="med"/>
-          </a:ln>
-          <a:effectLst/>
-        </p:spPr>
-        <p:txBody>
-          <a:bodyPr vert="horz" wrap="square" lIns="91440" tIns="45720" rIns="91440" bIns="45720" numCol="1" rtlCol="0" anchor="t" anchorCtr="0" compatLnSpc="1">
-            <a:prstTxWarp prst="textNoShape">
-              <a:avLst/>
-            </a:prstTxWarp>
-          </a:bodyPr>
-          <a:lstStyle/>
-          <a:p>
-            <a:pPr marL="0" marR="0" indent="0" algn="l" defTabSz="4284663" rtl="0" eaLnBrk="1" fontAlgn="base" latinLnBrk="0" hangingPunct="1">
-              <a:lnSpc>
-                <a:spcPct val="100000"/>
-              </a:lnSpc>
-              <a:spcBef>
-                <a:spcPct val="0"/>
-              </a:spcBef>
-              <a:spcAft>
-                <a:spcPct val="0"/>
-              </a:spcAft>
-              <a:buClrTx/>
-              <a:buSzTx/>
-              <a:buFontTx/>
-              <a:buNone/>
-              <a:tabLst/>
-            </a:pPr>
-            <a:endParaRPr kumimoji="0" lang="en-US" sz="8400" b="0" i="0" u="none" strike="noStrike" cap="none" normalizeH="0" baseline="0" smtClean="0">
-              <a:ln>
-                <a:noFill/>
-              </a:ln>
-              <a:solidFill>
-                <a:schemeClr val="tx1"/>
-              </a:solidFill>
-              <a:effectLst/>
-              <a:latin typeface="Arial" charset="0"/>
-            </a:endParaRPr>
-          </a:p>
-        </p:txBody>
-      </p:sp>
-      <p:sp>
-        <p:nvSpPr>
-          <p:cNvPr id="12" name="TextBox 11"/>
-          <p:cNvSpPr txBox="1">
-            <a:spLocks/>
-          </p:cNvSpPr>
-          <p:nvPr/>
-        </p:nvSpPr>
-        <p:spPr>
-          <a:xfrm>
-            <a:off x="2895600" y="7086600"/>
-            <a:ext cx="8077200" cy="10325904"/>
-          </a:xfrm>
-          <a:prstGeom prst="rect">
-            <a:avLst/>
-          </a:prstGeom>
-          <a:noFill/>
-        </p:spPr>
-        <p:txBody>
-          <a:bodyPr wrap="square" rtlCol="0">
-            <a:spAutoFit/>
-          </a:bodyPr>
-          <a:lstStyle/>
-          <a:p>
-            <a:r>
-              <a:rPr lang="en-US" sz="3500" dirty="0" smtClean="0"/>
-              <a:t>The Pinecrest People Mover goes beyond the limits of a regular school bus. </a:t>
-            </a:r>
-            <a:endParaRPr lang="en-US" sz="3500" dirty="0" smtClean="0"/>
-          </a:p>
-          <a:p>
-            <a:pPr marL="457200" indent="-457200">
-              <a:buFont typeface="Arial"/>
-              <a:buChar char="•"/>
-            </a:pPr>
-            <a:r>
-              <a:rPr lang="en-US" sz="3500" dirty="0" smtClean="0"/>
-              <a:t>Trolley </a:t>
-            </a:r>
-            <a:r>
-              <a:rPr lang="en-US" sz="3500" dirty="0" smtClean="0"/>
-              <a:t>gives students in the Village of Pinecrest an opportunity arrive to their local middle and high school from a location close to </a:t>
-            </a:r>
-            <a:r>
-              <a:rPr lang="en-US" sz="3500" dirty="0" smtClean="0"/>
-              <a:t>home.</a:t>
-            </a:r>
-          </a:p>
-          <a:p>
-            <a:pPr marL="457200" indent="-457200">
-              <a:buFont typeface="Arial"/>
-              <a:buChar char="•"/>
-            </a:pPr>
-            <a:r>
-              <a:rPr lang="en-US" sz="3500" dirty="0"/>
-              <a:t>C</a:t>
-            </a:r>
-            <a:r>
-              <a:rPr lang="en-US" sz="3500" dirty="0" smtClean="0"/>
-              <a:t>urrently </a:t>
-            </a:r>
-            <a:r>
-              <a:rPr lang="en-US" sz="3500" dirty="0" smtClean="0"/>
-              <a:t>there is no system that will keep track of these trolleys. </a:t>
-            </a:r>
-            <a:endParaRPr lang="en-US" sz="3500" dirty="0"/>
-          </a:p>
-          <a:p>
-            <a:pPr marL="457200" indent="-457200">
-              <a:buFont typeface="Arial"/>
-              <a:buChar char="•"/>
-            </a:pPr>
-            <a:r>
-              <a:rPr lang="en-US" sz="3500" dirty="0" smtClean="0"/>
-              <a:t>Parents </a:t>
-            </a:r>
-            <a:r>
-              <a:rPr lang="en-US" sz="3500" dirty="0" smtClean="0"/>
-              <a:t>and students do not know how far a trolley is from their stop nor have the knowledge of the closest stop to their location</a:t>
-            </a:r>
-            <a:r>
-              <a:rPr lang="en-US" sz="3500" dirty="0" smtClean="0"/>
-              <a:t>.</a:t>
-            </a:r>
-            <a:br>
-              <a:rPr lang="en-US" sz="3500" dirty="0" smtClean="0"/>
-            </a:br>
-            <a:endParaRPr lang="en-US" sz="3500" dirty="0" smtClean="0"/>
-          </a:p>
-          <a:p>
-            <a:r>
-              <a:rPr lang="en-US" sz="3500" b="1" i="1" dirty="0" smtClean="0"/>
-              <a:t> The problem I had to tackle was to show the estimated arrival time of the bus for a particular stop, the location of the stop, and display the routes.</a:t>
-            </a:r>
-            <a:endParaRPr lang="en-US" sz="3500" b="1" i="1" dirty="0"/>
-          </a:p>
-        </p:txBody>
-      </p:sp>
-      <p:sp>
-        <p:nvSpPr>
-          <p:cNvPr id="6" name="TextBox 5"/>
-          <p:cNvSpPr txBox="1"/>
-          <p:nvPr/>
-        </p:nvSpPr>
-        <p:spPr>
-          <a:xfrm>
-            <a:off x="13030200" y="7086600"/>
-            <a:ext cx="7239000" cy="4401205"/>
-          </a:xfrm>
-          <a:prstGeom prst="rect">
-            <a:avLst/>
-          </a:prstGeom>
-          <a:noFill/>
-        </p:spPr>
-        <p:txBody>
-          <a:bodyPr wrap="square" rtlCol="0">
-            <a:spAutoFit/>
-          </a:bodyPr>
-          <a:lstStyle/>
-          <a:p>
-            <a:r>
-              <a:rPr lang="en-US" sz="3500" dirty="0" smtClean="0"/>
-              <a:t>Currently, there are several trolley or bus trackers in Miami. However, there are no applications that focus only on the Village of Pinecrest. </a:t>
-            </a:r>
-            <a:r>
-              <a:rPr lang="en-US" sz="3500" dirty="0" smtClean="0"/>
-              <a:t/>
-            </a:r>
-            <a:br>
-              <a:rPr lang="en-US" sz="3500" dirty="0" smtClean="0"/>
-            </a:br>
-            <a:r>
-              <a:rPr lang="en-US" sz="3500" dirty="0" smtClean="0"/>
-              <a:t/>
-            </a:r>
-            <a:br>
-              <a:rPr lang="en-US" sz="3500" dirty="0" smtClean="0"/>
-            </a:br>
-            <a:r>
-              <a:rPr lang="en-US" sz="3500" b="1" dirty="0" smtClean="0"/>
-              <a:t>This application was made from scratch with the residents of Pinecrest in mind.</a:t>
-            </a:r>
-            <a:endParaRPr lang="en-US" sz="3500" b="1" dirty="0"/>
-          </a:p>
-        </p:txBody>
-      </p:sp>
-      <p:sp>
-        <p:nvSpPr>
-          <p:cNvPr id="7" name="TextBox 6"/>
-          <p:cNvSpPr txBox="1"/>
-          <p:nvPr/>
-        </p:nvSpPr>
-        <p:spPr>
-          <a:xfrm>
-            <a:off x="23012400" y="7086600"/>
-            <a:ext cx="7543800" cy="6017032"/>
-          </a:xfrm>
-          <a:prstGeom prst="rect">
-            <a:avLst/>
-          </a:prstGeom>
-          <a:noFill/>
-        </p:spPr>
-        <p:txBody>
-          <a:bodyPr wrap="square" rtlCol="0">
-            <a:spAutoFit/>
-          </a:bodyPr>
-          <a:lstStyle/>
-          <a:p>
-            <a:pPr algn="ctr"/>
-            <a:r>
-              <a:rPr lang="en-US" sz="3500" dirty="0" smtClean="0"/>
-              <a:t>Requirements implemented per request of the client that I developed:</a:t>
-            </a:r>
-          </a:p>
-          <a:p>
-            <a:endParaRPr lang="en-US" sz="3500" dirty="0" smtClean="0"/>
-          </a:p>
-          <a:p>
-            <a:pPr marL="457200" indent="-457200">
-              <a:buFont typeface="Wingdings" charset="2"/>
-              <a:buChar char="ü"/>
-            </a:pPr>
-            <a:r>
-              <a:rPr lang="en-US" sz="3500" dirty="0" smtClean="0"/>
-              <a:t>Estimated Time for Given Stop</a:t>
-            </a:r>
-          </a:p>
-          <a:p>
-            <a:pPr marL="457200" indent="-457200">
-              <a:buFont typeface="Wingdings" charset="2"/>
-              <a:buChar char="ü"/>
-            </a:pPr>
-            <a:r>
-              <a:rPr lang="en-US" sz="3500" dirty="0" smtClean="0"/>
-              <a:t>Estimated Time for Favorite Stop</a:t>
-            </a:r>
-          </a:p>
-          <a:p>
-            <a:pPr marL="457200" indent="-457200">
-              <a:buFont typeface="Wingdings" charset="2"/>
-              <a:buChar char="ü"/>
-            </a:pPr>
-            <a:r>
-              <a:rPr lang="en-US" sz="3500" dirty="0" smtClean="0"/>
-              <a:t>Display stops on map</a:t>
-            </a:r>
-          </a:p>
-          <a:p>
-            <a:pPr marL="457200" indent="-457200">
-              <a:buFont typeface="Wingdings" charset="2"/>
-              <a:buChar char="ü"/>
-            </a:pPr>
-            <a:r>
-              <a:rPr lang="en-US" sz="3500" dirty="0" smtClean="0"/>
-              <a:t>Display routes on map using Waypoints</a:t>
-            </a:r>
-          </a:p>
-          <a:p>
-            <a:pPr marL="457200" indent="-457200">
-              <a:buFont typeface="Wingdings" charset="2"/>
-              <a:buChar char="ü"/>
-            </a:pPr>
-            <a:r>
-              <a:rPr lang="en-US" sz="3500" dirty="0" smtClean="0"/>
-              <a:t>Display routes in list view</a:t>
-            </a:r>
-          </a:p>
-          <a:p>
-            <a:pPr marL="457200" indent="-457200">
-              <a:buFont typeface="Wingdings" charset="2"/>
-              <a:buChar char="ü"/>
-            </a:pPr>
-            <a:r>
-              <a:rPr lang="en-US" sz="3500" dirty="0" smtClean="0"/>
-              <a:t>Find nearest stop for current </a:t>
-            </a:r>
-            <a:r>
-              <a:rPr lang="en-US" sz="3500" dirty="0" smtClean="0"/>
-              <a:t>location</a:t>
-            </a:r>
-          </a:p>
-        </p:txBody>
-      </p:sp>
-      <p:sp>
-        <p:nvSpPr>
-          <p:cNvPr id="36" name="Text Box 19"/>
-          <p:cNvSpPr txBox="1">
-            <a:spLocks noChangeArrowheads="1"/>
-          </p:cNvSpPr>
-          <p:nvPr/>
-        </p:nvSpPr>
-        <p:spPr bwMode="auto">
-          <a:xfrm>
-            <a:off x="13639800" y="12039600"/>
-            <a:ext cx="5486400" cy="731838"/>
-          </a:xfrm>
-          <a:prstGeom prst="rect">
-            <a:avLst/>
-          </a:prstGeom>
-          <a:solidFill>
-            <a:srgbClr val="B6A674"/>
-          </a:solidFill>
-          <a:ln>
-            <a:headEnd/>
-            <a:tailEnd/>
-          </a:ln>
-        </p:spPr>
-        <p:style>
-          <a:lnRef idx="1">
-            <a:schemeClr val="dk1"/>
-          </a:lnRef>
-          <a:fillRef idx="2">
-            <a:schemeClr val="dk1"/>
-          </a:fillRef>
-          <a:effectRef idx="1">
-            <a:schemeClr val="dk1"/>
-          </a:effectRef>
-          <a:fontRef idx="minor">
-            <a:schemeClr val="dk1"/>
-          </a:fontRef>
-        </p:style>
-        <p:txBody>
-          <a:bodyPr lIns="98655" tIns="49327" rIns="98655" bIns="49327">
-            <a:spAutoFit/>
-          </a:bodyPr>
-          <a:lstStyle>
-            <a:lvl1pPr defTabSz="985838" eaLnBrk="0" hangingPunct="0">
-              <a:defRPr sz="8400">
-                <a:solidFill>
-                  <a:schemeClr val="tx1"/>
-                </a:solidFill>
-                <a:latin typeface="Arial" charset="0"/>
-                <a:ea typeface="ＭＳ Ｐゴシック" charset="0"/>
-                <a:cs typeface="ＭＳ Ｐゴシック" charset="0"/>
-              </a:defRPr>
-            </a:lvl1pPr>
-            <a:lvl2pPr marL="37931725" indent="-37474525" defTabSz="985838" eaLnBrk="0" hangingPunct="0">
-              <a:defRPr sz="8400">
-                <a:solidFill>
-                  <a:schemeClr val="tx1"/>
-                </a:solidFill>
-                <a:latin typeface="Arial" charset="0"/>
-                <a:ea typeface="ＭＳ Ｐゴシック" charset="0"/>
-              </a:defRPr>
-            </a:lvl2pPr>
-            <a:lvl3pPr eaLnBrk="0" hangingPunct="0">
-              <a:defRPr sz="8400">
-                <a:solidFill>
-                  <a:schemeClr val="tx1"/>
-                </a:solidFill>
-                <a:latin typeface="Arial" charset="0"/>
-                <a:ea typeface="ＭＳ Ｐゴシック" charset="0"/>
-              </a:defRPr>
-            </a:lvl3pPr>
-            <a:lvl4pPr eaLnBrk="0" hangingPunct="0">
-              <a:defRPr sz="8400">
-                <a:solidFill>
-                  <a:schemeClr val="tx1"/>
-                </a:solidFill>
-                <a:latin typeface="Arial" charset="0"/>
-                <a:ea typeface="ＭＳ Ｐゴシック" charset="0"/>
-              </a:defRPr>
-            </a:lvl4pPr>
-            <a:lvl5pPr eaLnBrk="0" hangingPunct="0">
-              <a:defRPr sz="8400">
-                <a:solidFill>
-                  <a:schemeClr val="tx1"/>
-                </a:solidFill>
-                <a:latin typeface="Arial" charset="0"/>
-                <a:ea typeface="ＭＳ Ｐゴシック" charset="0"/>
-              </a:defRPr>
-            </a:lvl5pPr>
-            <a:lvl6pPr marL="457200" eaLnBrk="0" fontAlgn="base" hangingPunct="0">
-              <a:spcBef>
-                <a:spcPct val="0"/>
-              </a:spcBef>
-              <a:spcAft>
-                <a:spcPct val="0"/>
-              </a:spcAft>
-              <a:defRPr sz="8400">
-                <a:solidFill>
-                  <a:schemeClr val="tx1"/>
-                </a:solidFill>
-                <a:latin typeface="Arial" charset="0"/>
-                <a:ea typeface="ＭＳ Ｐゴシック" charset="0"/>
-              </a:defRPr>
-            </a:lvl6pPr>
-            <a:lvl7pPr marL="914400" eaLnBrk="0" fontAlgn="base" hangingPunct="0">
-              <a:spcBef>
-                <a:spcPct val="0"/>
-              </a:spcBef>
-              <a:spcAft>
-                <a:spcPct val="0"/>
-              </a:spcAft>
-              <a:defRPr sz="8400">
-                <a:solidFill>
-                  <a:schemeClr val="tx1"/>
-                </a:solidFill>
-                <a:latin typeface="Arial" charset="0"/>
-                <a:ea typeface="ＭＳ Ｐゴシック" charset="0"/>
-              </a:defRPr>
-            </a:lvl7pPr>
-            <a:lvl8pPr marL="1371600" eaLnBrk="0" fontAlgn="base" hangingPunct="0">
-              <a:spcBef>
-                <a:spcPct val="0"/>
-              </a:spcBef>
-              <a:spcAft>
-                <a:spcPct val="0"/>
-              </a:spcAft>
-              <a:defRPr sz="8400">
-                <a:solidFill>
-                  <a:schemeClr val="tx1"/>
-                </a:solidFill>
-                <a:latin typeface="Arial" charset="0"/>
-                <a:ea typeface="ＭＳ Ｐゴシック" charset="0"/>
-              </a:defRPr>
-            </a:lvl8pPr>
-            <a:lvl9pPr marL="1828800" eaLnBrk="0" fontAlgn="base" hangingPunct="0">
-              <a:spcBef>
-                <a:spcPct val="0"/>
-              </a:spcBef>
-              <a:spcAft>
-                <a:spcPct val="0"/>
-              </a:spcAft>
-              <a:defRPr sz="8400">
-                <a:solidFill>
-                  <a:schemeClr val="tx1"/>
-                </a:solidFill>
-                <a:latin typeface="Arial" charset="0"/>
-                <a:ea typeface="ＭＳ Ｐゴシック" charset="0"/>
-              </a:defRPr>
-            </a:lvl9pPr>
-          </a:lstStyle>
-          <a:p>
-            <a:pPr algn="ctr" eaLnBrk="1" hangingPunct="1">
-              <a:spcBef>
-                <a:spcPct val="50000"/>
-              </a:spcBef>
-            </a:pPr>
-            <a:r>
-              <a:rPr lang="en-US" sz="4100" b="1" dirty="0">
-                <a:solidFill>
-                  <a:srgbClr val="1B390A"/>
-                </a:solidFill>
-                <a:effectLst>
-                  <a:outerShdw blurRad="38100" dist="38100" dir="2700000" algn="tl">
-                    <a:srgbClr val="DDDDDD"/>
-                  </a:outerShdw>
-                </a:effectLst>
-              </a:rPr>
-              <a:t>System Design</a:t>
-            </a:r>
-          </a:p>
-        </p:txBody>
-      </p:sp>
-      <p:pic>
-        <p:nvPicPr>
-          <p:cNvPr id="46" name="Picture 45"/>
-          <p:cNvPicPr/>
-          <p:nvPr/>
-        </p:nvPicPr>
-        <p:blipFill>
-          <a:blip r:embed="rId16">
-            <a:extLst>
-              <a:ext uri="{28A0092B-C50C-407E-A947-70E740481C1C}">
-                <a14:useLocalDpi xmlns:a14="http://schemas.microsoft.com/office/drawing/2010/main" val="0"/>
-              </a:ext>
-            </a:extLst>
-          </a:blip>
-          <a:stretch>
-            <a:fillRect/>
-          </a:stretch>
-        </p:blipFill>
-        <p:spPr>
-          <a:xfrm>
-            <a:off x="12877800" y="13106400"/>
-            <a:ext cx="7010400" cy="4191000"/>
-          </a:xfrm>
-          <a:prstGeom prst="rect">
-            <a:avLst/>
-          </a:prstGeom>
-        </p:spPr>
-      </p:pic>
-      <p:sp>
-        <p:nvSpPr>
-          <p:cNvPr id="31" name="Rectangle 30"/>
-          <p:cNvSpPr/>
-          <p:nvPr/>
-        </p:nvSpPr>
-        <p:spPr bwMode="auto">
-          <a:xfrm rot="5400000">
-            <a:off x="7429500" y="23126700"/>
-            <a:ext cx="18592800" cy="9220200"/>
-          </a:xfrm>
-          <a:prstGeom prst="rect">
-            <a:avLst/>
-          </a:prstGeom>
-          <a:solidFill>
-            <a:srgbClr val="1A3908"/>
-          </a:solidFill>
-          <a:ln w="9525" cap="flat" cmpd="sng" algn="ctr">
-            <a:noFill/>
-            <a:prstDash val="solid"/>
-            <a:round/>
-            <a:headEnd type="none" w="med" len="med"/>
-            <a:tailEnd type="none" w="med" len="med"/>
-          </a:ln>
-          <a:effectLst/>
-        </p:spPr>
-        <p:txBody>
-          <a:bodyPr vert="horz" wrap="square" lIns="91440" tIns="45720" rIns="91440" bIns="45720" numCol="1" rtlCol="0" anchor="t" anchorCtr="0" compatLnSpc="1">
-            <a:prstTxWarp prst="textNoShape">
-              <a:avLst/>
-            </a:prstTxWarp>
-          </a:bodyPr>
-          <a:lstStyle/>
-          <a:p>
-            <a:pPr marL="0" marR="0" indent="0" algn="l" defTabSz="4284663" rtl="0" eaLnBrk="1" fontAlgn="base" latinLnBrk="0" hangingPunct="1">
-              <a:lnSpc>
-                <a:spcPct val="100000"/>
-              </a:lnSpc>
-              <a:spcBef>
-                <a:spcPct val="0"/>
-              </a:spcBef>
-              <a:spcAft>
-                <a:spcPct val="0"/>
-              </a:spcAft>
-              <a:buClrTx/>
-              <a:buSzTx/>
-              <a:buFontTx/>
-              <a:buNone/>
-              <a:tabLst/>
-            </a:pPr>
-            <a:endParaRPr kumimoji="0" lang="en-US" sz="8400" b="0" i="0" u="none" strike="noStrike" cap="none" normalizeH="0" baseline="0" smtClean="0">
-              <a:ln>
-                <a:noFill/>
-              </a:ln>
-              <a:solidFill>
-                <a:schemeClr val="tx1"/>
-              </a:solidFill>
-              <a:effectLst/>
-              <a:latin typeface="Arial" charset="0"/>
-            </a:endParaRPr>
-          </a:p>
-        </p:txBody>
-      </p:sp>
-      <p:sp>
-        <p:nvSpPr>
-          <p:cNvPr id="21" name="TextBox 20"/>
-          <p:cNvSpPr txBox="1"/>
-          <p:nvPr/>
-        </p:nvSpPr>
-        <p:spPr>
-          <a:xfrm>
-            <a:off x="14554200" y="34594800"/>
-            <a:ext cx="4191000" cy="1631216"/>
-          </a:xfrm>
-          <a:prstGeom prst="rect">
-            <a:avLst/>
-          </a:prstGeom>
-          <a:noFill/>
-        </p:spPr>
-        <p:txBody>
-          <a:bodyPr wrap="square" rtlCol="0">
-            <a:spAutoFit/>
-          </a:bodyPr>
-          <a:lstStyle/>
-          <a:p>
-            <a:r>
-              <a:rPr lang="en-US" sz="2500" dirty="0" smtClean="0">
-                <a:solidFill>
-                  <a:srgbClr val="B6A674"/>
-                </a:solidFill>
-              </a:rPr>
-              <a:t>Code in the backed was done in the </a:t>
-            </a:r>
-          </a:p>
-          <a:p>
-            <a:r>
-              <a:rPr lang="en-US" sz="2500" dirty="0" smtClean="0">
-                <a:solidFill>
-                  <a:srgbClr val="B6A674"/>
-                </a:solidFill>
-              </a:rPr>
-              <a:t>Spring Tool Suite: </a:t>
-            </a:r>
-          </a:p>
-          <a:p>
-            <a:r>
-              <a:rPr lang="en-US" sz="2500" dirty="0" smtClean="0">
-                <a:solidFill>
-                  <a:srgbClr val="B6A674"/>
-                </a:solidFill>
-              </a:rPr>
-              <a:t>Estimated Time</a:t>
-            </a:r>
-            <a:endParaRPr lang="en-US" sz="2500" dirty="0">
-              <a:solidFill>
-                <a:srgbClr val="B6A674"/>
-              </a:solidFill>
-            </a:endParaRPr>
-          </a:p>
-        </p:txBody>
-      </p:sp>
-      <p:sp>
-        <p:nvSpPr>
-          <p:cNvPr id="22" name="TextBox 21"/>
-          <p:cNvSpPr txBox="1"/>
-          <p:nvPr/>
-        </p:nvSpPr>
-        <p:spPr>
-          <a:xfrm>
-            <a:off x="14859000" y="25755600"/>
-            <a:ext cx="3505200" cy="2015936"/>
-          </a:xfrm>
-          <a:prstGeom prst="rect">
-            <a:avLst/>
-          </a:prstGeom>
-          <a:noFill/>
-        </p:spPr>
-        <p:txBody>
-          <a:bodyPr wrap="square" rtlCol="0">
-            <a:spAutoFit/>
-          </a:bodyPr>
-          <a:lstStyle/>
-          <a:p>
-            <a:r>
-              <a:rPr lang="en-US" sz="2500" dirty="0" smtClean="0">
-                <a:solidFill>
-                  <a:srgbClr val="B6A674"/>
-                </a:solidFill>
-              </a:rPr>
-              <a:t>Sublime Text 2 was used to develop the </a:t>
-            </a:r>
-            <a:r>
-              <a:rPr lang="en-US" sz="2500" dirty="0">
-                <a:solidFill>
-                  <a:srgbClr val="B6A674"/>
-                </a:solidFill>
-              </a:rPr>
-              <a:t>S</a:t>
-            </a:r>
-            <a:r>
-              <a:rPr lang="en-US" sz="2500" dirty="0" smtClean="0">
-                <a:solidFill>
-                  <a:srgbClr val="B6A674"/>
-                </a:solidFill>
-              </a:rPr>
-              <a:t>encha application. Here you can see the Map Controller.</a:t>
-            </a:r>
-            <a:endParaRPr lang="en-US" sz="2500" dirty="0">
-              <a:solidFill>
-                <a:srgbClr val="B6A674"/>
-              </a:solidFill>
-            </a:endParaRPr>
-          </a:p>
-        </p:txBody>
-      </p:sp>
-      <p:pic>
-        <p:nvPicPr>
-          <p:cNvPr id="25" name="Picture 24" descr="Screen Shot 2014-12-03 at 8.28.46 PM.png"/>
-          <p:cNvPicPr>
-            <a:picLocks noChangeAspect="1"/>
-          </p:cNvPicPr>
-          <p:nvPr/>
-        </p:nvPicPr>
-        <p:blipFill>
-          <a:blip r:embed="rId17">
-            <a:extLst>
-              <a:ext uri="{28A0092B-C50C-407E-A947-70E740481C1C}">
-                <a14:useLocalDpi xmlns:a14="http://schemas.microsoft.com/office/drawing/2010/main" val="0"/>
-              </a:ext>
-            </a:extLst>
-          </a:blip>
-          <a:stretch>
-            <a:fillRect/>
-          </a:stretch>
-        </p:blipFill>
-        <p:spPr>
-          <a:xfrm>
             <a:off x="12877800" y="19812000"/>
             <a:ext cx="7798279" cy="5486400"/>
           </a:xfrm>
@@ -7531,7 +6922,7 @@
           <p:nvPr/>
         </p:nvPicPr>
         <p:blipFill>
-          <a:blip r:embed="rId18">
+          <a:blip r:embed="rId16">
             <a:extLst>
               <a:ext uri="{28A0092B-C50C-407E-A947-70E740481C1C}">
                 <a14:useLocalDpi xmlns:a14="http://schemas.microsoft.com/office/drawing/2010/main" val="0"/>
@@ -7795,7 +7186,7 @@
         <p:spPr>
           <a:xfrm>
             <a:off x="20345400" y="14173200"/>
-            <a:ext cx="8610600" cy="1938992"/>
+            <a:ext cx="8610600" cy="1631216"/>
           </a:xfrm>
           <a:prstGeom prst="rect">
             <a:avLst/>
@@ -7809,7 +7200,7 @@
           <a:lstStyle/>
           <a:p>
             <a:r>
-              <a:rPr lang="en-US" sz="3000" dirty="0" smtClean="0"/>
+              <a:rPr lang="en-US" sz="2500" dirty="0" smtClean="0"/>
               <a:t>3-Tier Architecture</a:t>
             </a:r>
           </a:p>
@@ -7819,9 +7210,22 @@
               <a:buChar char="•"/>
             </a:pPr>
             <a:r>
-              <a:rPr lang="en-US" sz="3000" dirty="0" smtClean="0"/>
-              <a:t>Presentation Layer – </a:t>
-            </a:r>
+              <a:rPr lang="en-US" sz="2500" dirty="0" smtClean="0"/>
+              <a:t>Presentation Layer </a:t>
+            </a:r>
+            <a:r>
+              <a:rPr lang="en-US" sz="2500" dirty="0" smtClean="0"/>
+              <a:t>– </a:t>
+            </a:r>
+            <a:r>
+              <a:rPr lang="en-US" sz="2500" dirty="0" err="1" smtClean="0"/>
+              <a:t>Sencha</a:t>
+            </a:r>
+            <a:r>
+              <a:rPr lang="en-US" sz="2500" dirty="0" smtClean="0"/>
+              <a:t> Application </a:t>
+            </a:r>
+            <a:endParaRPr lang="en-US" sz="2500" dirty="0" smtClean="0"/>
           </a:p>
           <a:p>
             <a:pPr marL="457200" indent="-457200">
@@ -7829,9 +7233,18 @@
               <a:buChar char="•"/>
             </a:pPr>
             <a:r>
-              <a:rPr lang="en-US" sz="3000" dirty="0" smtClean="0"/>
+              <a:rPr lang="en-US" sz="2500" dirty="0" smtClean="0"/>
               <a:t>Business Layer – </a:t>
             </a:r>
+            <a:r>
+              <a:rPr lang="en-US" sz="2500" dirty="0" smtClean="0"/>
+              <a:t>Spring/Tomca</a:t>
+            </a:r>
+            <a:r>
+              <a:rPr lang="en-US" sz="2500" dirty="0" smtClean="0"/>
+              <a:t>t Server</a:t>
+            </a:r>
+            <a:endParaRPr lang="en-US" sz="2500" dirty="0" smtClean="0"/>
           </a:p>
           <a:p>
             <a:pPr marL="457200" indent="-457200">
@@ -7839,18 +7252,18 @@
               <a:buChar char="•"/>
             </a:pPr>
             <a:r>
-              <a:rPr lang="en-US" sz="3000" dirty="0" smtClean="0"/>
+              <a:rPr lang="en-US" sz="2500" dirty="0" smtClean="0"/>
               <a:t>Data Layer – </a:t>
             </a:r>
             <a:r>
-              <a:rPr lang="en-US" sz="3000" dirty="0" err="1" smtClean="0"/>
-              <a:t>MySql</a:t>
-            </a:r>
-            <a:r>
-              <a:rPr lang="en-US" sz="3000" dirty="0" smtClean="0"/>
-              <a:t> Database</a:t>
-            </a:r>
-            <a:endParaRPr lang="en-US" sz="3000" dirty="0"/>
+              <a:rPr lang="en-US" sz="2500" dirty="0" smtClean="0"/>
+              <a:t>MySQL </a:t>
+            </a:r>
+            <a:r>
+              <a:rPr lang="en-US" sz="2500" dirty="0" smtClean="0"/>
+              <a:t>Database</a:t>
+            </a:r>
+            <a:endParaRPr lang="en-US" sz="2500" dirty="0"/>
           </a:p>
         </p:txBody>
       </p:sp>
@@ -7863,7 +7276,7 @@
         <p:spPr>
           <a:xfrm>
             <a:off x="1981200" y="28422600"/>
-            <a:ext cx="8686800" cy="1015663"/>
+            <a:ext cx="8686800" cy="861774"/>
           </a:xfrm>
           <a:prstGeom prst="rect">
             <a:avLst/>
@@ -7878,10 +7291,673 @@
           <a:p>
             <a:pPr algn="ctr"/>
             <a:r>
-              <a:rPr lang="en-US" sz="3000" dirty="0" smtClean="0"/>
+              <a:rPr lang="en-US" sz="2500" dirty="0" smtClean="0"/>
               <a:t>Above are the classes I implemented for the Estimated Time Functionality</a:t>
             </a:r>
-            <a:endParaRPr lang="en-US" sz="3000" dirty="0"/>
+            <a:endParaRPr lang="en-US" sz="2500" dirty="0"/>
+          </a:p>
+        </p:txBody>
+      </p:sp>
+      <p:graphicFrame>
+        <p:nvGraphicFramePr>
+          <p:cNvPr id="47" name="Object 46"/>
+          <p:cNvGraphicFramePr>
+            <a:graphicFrameLocks noChangeAspect="1"/>
+          </p:cNvGraphicFramePr>
+          <p:nvPr>
+            <p:extLst>
+              <p:ext uri="{D42A27DB-BD31-4B8C-83A1-F6EECF244321}">
+                <p14:modId xmlns:p14="http://schemas.microsoft.com/office/powerpoint/2010/main" val="2456048842"/>
+              </p:ext>
+            </p:extLst>
+          </p:nvPr>
+        </p:nvGraphicFramePr>
+        <p:xfrm>
+          <a:off x="1371600" y="73420"/>
+          <a:ext cx="6985442" cy="2362200"/>
+        </p:xfrm>
+        <a:graphic>
+          <a:graphicData uri="http://schemas.openxmlformats.org/presentationml/2006/ole">
+            <mc:AlternateContent xmlns:mc="http://schemas.openxmlformats.org/markup-compatibility/2006">
+              <mc:Choice xmlns:v="urn:schemas-microsoft-com:vml" Requires="v">
+                <p:oleObj spid="_x0000_s1041" name="Image" r:id="rId17" imgW="4055760" imgH="1371240" progId="Photoshop.Image.15">
+                  <p:embed/>
+                </p:oleObj>
+              </mc:Choice>
+              <mc:Fallback>
+                <p:oleObj name="Image" r:id="rId17" imgW="4055760" imgH="1371240" progId="Photoshop.Image.15">
+                  <p:embed/>
+                  <p:pic>
+                    <p:nvPicPr>
+                      <p:cNvPr id="0" name=""/>
+                      <p:cNvPicPr/>
+                      <p:nvPr/>
+                    </p:nvPicPr>
+                    <p:blipFill>
+                      <a:blip r:embed="rId18"/>
+                      <a:stretch>
+                        <a:fillRect/>
+                      </a:stretch>
+                    </p:blipFill>
+                    <p:spPr>
+                      <a:xfrm>
+                        <a:off x="1371600" y="73420"/>
+                        <a:ext cx="6985442" cy="2362200"/>
+                      </a:xfrm>
+                      <a:prstGeom prst="rect">
+                        <a:avLst/>
+                      </a:prstGeom>
+                    </p:spPr>
+                  </p:pic>
+                </p:oleObj>
+              </mc:Fallback>
+            </mc:AlternateContent>
+          </a:graphicData>
+        </a:graphic>
+      </p:graphicFrame>
+      <p:pic>
+        <p:nvPicPr>
+          <p:cNvPr id="48" name="Picture 47" descr="ShowImage.png"/>
+          <p:cNvPicPr>
+            <a:picLocks noChangeAspect="1"/>
+          </p:cNvPicPr>
+          <p:nvPr/>
+        </p:nvPicPr>
+        <p:blipFill>
+          <a:blip r:embed="rId7">
+            <a:extLst>
+              <a:ext uri="{28A0092B-C50C-407E-A947-70E740481C1C}">
+                <a14:useLocalDpi xmlns:a14="http://schemas.microsoft.com/office/drawing/2010/main" val="0"/>
+              </a:ext>
+            </a:extLst>
+          </a:blip>
+          <a:stretch>
+            <a:fillRect/>
+          </a:stretch>
+        </p:blipFill>
+        <p:spPr>
+          <a:xfrm>
+            <a:off x="5943600" y="-2780"/>
+            <a:ext cx="2511112" cy="2486000"/>
+          </a:xfrm>
+          <a:prstGeom prst="rect">
+            <a:avLst/>
+          </a:prstGeom>
+        </p:spPr>
+      </p:pic>
+      <p:pic>
+        <p:nvPicPr>
+          <p:cNvPr id="10" name="Picture 9" descr="sencha-touch-logo-tizen-experts.png"/>
+          <p:cNvPicPr>
+            <a:picLocks noChangeAspect="1"/>
+          </p:cNvPicPr>
+          <p:nvPr/>
+        </p:nvPicPr>
+        <p:blipFill>
+          <a:blip r:embed="rId19">
+            <a:extLst>
+              <a:ext uri="{28A0092B-C50C-407E-A947-70E740481C1C}">
+                <a14:useLocalDpi xmlns:a14="http://schemas.microsoft.com/office/drawing/2010/main" val="0"/>
+              </a:ext>
+            </a:extLst>
+          </a:blip>
+          <a:stretch>
+            <a:fillRect/>
+          </a:stretch>
+        </p:blipFill>
+        <p:spPr>
+          <a:xfrm>
+            <a:off x="685800" y="2286000"/>
+            <a:ext cx="5080000" cy="2120900"/>
+          </a:xfrm>
+          <a:prstGeom prst="rect">
+            <a:avLst/>
+          </a:prstGeom>
+        </p:spPr>
+      </p:pic>
+      <p:pic>
+        <p:nvPicPr>
+          <p:cNvPr id="4" name="Picture 3" descr="Javascript_logo_unofficial-300x300.png"/>
+          <p:cNvPicPr>
+            <a:picLocks noChangeAspect="1"/>
+          </p:cNvPicPr>
+          <p:nvPr/>
+        </p:nvPicPr>
+        <p:blipFill>
+          <a:blip r:embed="rId20">
+            <a:extLst>
+              <a:ext uri="{28A0092B-C50C-407E-A947-70E740481C1C}">
+                <a14:useLocalDpi xmlns:a14="http://schemas.microsoft.com/office/drawing/2010/main" val="0"/>
+              </a:ext>
+            </a:extLst>
+          </a:blip>
+          <a:stretch>
+            <a:fillRect/>
+          </a:stretch>
+        </p:blipFill>
+        <p:spPr>
+          <a:xfrm>
+            <a:off x="6324600" y="2438400"/>
+            <a:ext cx="2895600" cy="2895600"/>
+          </a:xfrm>
+          <a:prstGeom prst="rect">
+            <a:avLst/>
+          </a:prstGeom>
+        </p:spPr>
+      </p:pic>
+      <p:sp>
+        <p:nvSpPr>
+          <p:cNvPr id="215" name="Text Box 19"/>
+          <p:cNvSpPr txBox="1">
+            <a:spLocks noChangeArrowheads="1"/>
+          </p:cNvSpPr>
+          <p:nvPr/>
+        </p:nvSpPr>
+        <p:spPr bwMode="auto">
+          <a:xfrm>
+            <a:off x="4114800" y="6553200"/>
+            <a:ext cx="5486400" cy="731837"/>
+          </a:xfrm>
+          <a:prstGeom prst="rect">
+            <a:avLst/>
+          </a:prstGeom>
+          <a:solidFill>
+            <a:srgbClr val="B6A674"/>
+          </a:solidFill>
+          <a:ln>
+            <a:headEnd/>
+            <a:tailEnd/>
+          </a:ln>
+        </p:spPr>
+        <p:style>
+          <a:lnRef idx="1">
+            <a:schemeClr val="dk1"/>
+          </a:lnRef>
+          <a:fillRef idx="2">
+            <a:schemeClr val="dk1"/>
+          </a:fillRef>
+          <a:effectRef idx="1">
+            <a:schemeClr val="dk1"/>
+          </a:effectRef>
+          <a:fontRef idx="minor">
+            <a:schemeClr val="dk1"/>
+          </a:fontRef>
+        </p:style>
+        <p:txBody>
+          <a:bodyPr lIns="98655" tIns="49327" rIns="98655" bIns="49327">
+            <a:spAutoFit/>
+          </a:bodyPr>
+          <a:lstStyle>
+            <a:lvl1pPr defTabSz="985838" eaLnBrk="0" hangingPunct="0">
+              <a:defRPr sz="8400">
+                <a:solidFill>
+                  <a:schemeClr val="tx1"/>
+                </a:solidFill>
+                <a:latin typeface="Arial" charset="0"/>
+                <a:ea typeface="ＭＳ Ｐゴシック" charset="0"/>
+                <a:cs typeface="ＭＳ Ｐゴシック" charset="0"/>
+              </a:defRPr>
+            </a:lvl1pPr>
+            <a:lvl2pPr marL="37931725" indent="-37474525" defTabSz="985838" eaLnBrk="0" hangingPunct="0">
+              <a:defRPr sz="8400">
+                <a:solidFill>
+                  <a:schemeClr val="tx1"/>
+                </a:solidFill>
+                <a:latin typeface="Arial" charset="0"/>
+                <a:ea typeface="ＭＳ Ｐゴシック" charset="0"/>
+              </a:defRPr>
+            </a:lvl2pPr>
+            <a:lvl3pPr eaLnBrk="0" hangingPunct="0">
+              <a:defRPr sz="8400">
+                <a:solidFill>
+                  <a:schemeClr val="tx1"/>
+                </a:solidFill>
+                <a:latin typeface="Arial" charset="0"/>
+                <a:ea typeface="ＭＳ Ｐゴシック" charset="0"/>
+              </a:defRPr>
+            </a:lvl3pPr>
+            <a:lvl4pPr eaLnBrk="0" hangingPunct="0">
+              <a:defRPr sz="8400">
+                <a:solidFill>
+                  <a:schemeClr val="tx1"/>
+                </a:solidFill>
+                <a:latin typeface="Arial" charset="0"/>
+                <a:ea typeface="ＭＳ Ｐゴシック" charset="0"/>
+              </a:defRPr>
+            </a:lvl4pPr>
+            <a:lvl5pPr eaLnBrk="0" hangingPunct="0">
+              <a:defRPr sz="8400">
+                <a:solidFill>
+                  <a:schemeClr val="tx1"/>
+                </a:solidFill>
+                <a:latin typeface="Arial" charset="0"/>
+                <a:ea typeface="ＭＳ Ｐゴシック" charset="0"/>
+              </a:defRPr>
+            </a:lvl5pPr>
+            <a:lvl6pPr marL="457200" eaLnBrk="0" fontAlgn="base" hangingPunct="0">
+              <a:spcBef>
+                <a:spcPct val="0"/>
+              </a:spcBef>
+              <a:spcAft>
+                <a:spcPct val="0"/>
+              </a:spcAft>
+              <a:defRPr sz="8400">
+                <a:solidFill>
+                  <a:schemeClr val="tx1"/>
+                </a:solidFill>
+                <a:latin typeface="Arial" charset="0"/>
+                <a:ea typeface="ＭＳ Ｐゴシック" charset="0"/>
+              </a:defRPr>
+            </a:lvl6pPr>
+            <a:lvl7pPr marL="914400" eaLnBrk="0" fontAlgn="base" hangingPunct="0">
+              <a:spcBef>
+                <a:spcPct val="0"/>
+              </a:spcBef>
+              <a:spcAft>
+                <a:spcPct val="0"/>
+              </a:spcAft>
+              <a:defRPr sz="8400">
+                <a:solidFill>
+                  <a:schemeClr val="tx1"/>
+                </a:solidFill>
+                <a:latin typeface="Arial" charset="0"/>
+                <a:ea typeface="ＭＳ Ｐゴシック" charset="0"/>
+              </a:defRPr>
+            </a:lvl7pPr>
+            <a:lvl8pPr marL="1371600" eaLnBrk="0" fontAlgn="base" hangingPunct="0">
+              <a:spcBef>
+                <a:spcPct val="0"/>
+              </a:spcBef>
+              <a:spcAft>
+                <a:spcPct val="0"/>
+              </a:spcAft>
+              <a:defRPr sz="8400">
+                <a:solidFill>
+                  <a:schemeClr val="tx1"/>
+                </a:solidFill>
+                <a:latin typeface="Arial" charset="0"/>
+                <a:ea typeface="ＭＳ Ｐゴシック" charset="0"/>
+              </a:defRPr>
+            </a:lvl8pPr>
+            <a:lvl9pPr marL="1828800" eaLnBrk="0" fontAlgn="base" hangingPunct="0">
+              <a:spcBef>
+                <a:spcPct val="0"/>
+              </a:spcBef>
+              <a:spcAft>
+                <a:spcPct val="0"/>
+              </a:spcAft>
+              <a:defRPr sz="8400">
+                <a:solidFill>
+                  <a:schemeClr val="tx1"/>
+                </a:solidFill>
+                <a:latin typeface="Arial" charset="0"/>
+                <a:ea typeface="ＭＳ Ｐゴシック" charset="0"/>
+              </a:defRPr>
+            </a:lvl9pPr>
+          </a:lstStyle>
+          <a:p>
+            <a:pPr algn="ctr" eaLnBrk="1" hangingPunct="1">
+              <a:spcBef>
+                <a:spcPct val="50000"/>
+              </a:spcBef>
+            </a:pPr>
+            <a:r>
+              <a:rPr lang="en-US" sz="4100" b="1" dirty="0">
+                <a:solidFill>
+                  <a:srgbClr val="1B390A"/>
+                </a:solidFill>
+                <a:effectLst>
+                  <a:outerShdw blurRad="38100" dist="38100" dir="2700000" algn="tl">
+                    <a:srgbClr val="DDDDDD"/>
+                  </a:outerShdw>
+                </a:effectLst>
+              </a:rPr>
+              <a:t>Problem</a:t>
+            </a:r>
+          </a:p>
+        </p:txBody>
+      </p:sp>
+      <p:sp>
+        <p:nvSpPr>
+          <p:cNvPr id="34" name="Text Box 19"/>
+          <p:cNvSpPr txBox="1">
+            <a:spLocks noChangeArrowheads="1"/>
+          </p:cNvSpPr>
+          <p:nvPr/>
+        </p:nvSpPr>
+        <p:spPr bwMode="auto">
+          <a:xfrm>
+            <a:off x="13639800" y="6553200"/>
+            <a:ext cx="5486400" cy="731837"/>
+          </a:xfrm>
+          <a:prstGeom prst="rect">
+            <a:avLst/>
+          </a:prstGeom>
+          <a:solidFill>
+            <a:srgbClr val="B6A674"/>
+          </a:solidFill>
+          <a:ln>
+            <a:headEnd/>
+            <a:tailEnd/>
+          </a:ln>
+        </p:spPr>
+        <p:style>
+          <a:lnRef idx="1">
+            <a:schemeClr val="dk1"/>
+          </a:lnRef>
+          <a:fillRef idx="2">
+            <a:schemeClr val="dk1"/>
+          </a:fillRef>
+          <a:effectRef idx="1">
+            <a:schemeClr val="dk1"/>
+          </a:effectRef>
+          <a:fontRef idx="minor">
+            <a:schemeClr val="dk1"/>
+          </a:fontRef>
+        </p:style>
+        <p:txBody>
+          <a:bodyPr lIns="98655" tIns="49327" rIns="98655" bIns="49327">
+            <a:spAutoFit/>
+          </a:bodyPr>
+          <a:lstStyle>
+            <a:lvl1pPr defTabSz="985838" eaLnBrk="0" hangingPunct="0">
+              <a:defRPr sz="8400">
+                <a:solidFill>
+                  <a:schemeClr val="tx1"/>
+                </a:solidFill>
+                <a:latin typeface="Arial" charset="0"/>
+                <a:ea typeface="ＭＳ Ｐゴシック" charset="0"/>
+                <a:cs typeface="ＭＳ Ｐゴシック" charset="0"/>
+              </a:defRPr>
+            </a:lvl1pPr>
+            <a:lvl2pPr marL="37931725" indent="-37474525" defTabSz="985838" eaLnBrk="0" hangingPunct="0">
+              <a:defRPr sz="8400">
+                <a:solidFill>
+                  <a:schemeClr val="tx1"/>
+                </a:solidFill>
+                <a:latin typeface="Arial" charset="0"/>
+                <a:ea typeface="ＭＳ Ｐゴシック" charset="0"/>
+              </a:defRPr>
+            </a:lvl2pPr>
+            <a:lvl3pPr eaLnBrk="0" hangingPunct="0">
+              <a:defRPr sz="8400">
+                <a:solidFill>
+                  <a:schemeClr val="tx1"/>
+                </a:solidFill>
+                <a:latin typeface="Arial" charset="0"/>
+                <a:ea typeface="ＭＳ Ｐゴシック" charset="0"/>
+              </a:defRPr>
+            </a:lvl3pPr>
+            <a:lvl4pPr eaLnBrk="0" hangingPunct="0">
+              <a:defRPr sz="8400">
+                <a:solidFill>
+                  <a:schemeClr val="tx1"/>
+                </a:solidFill>
+                <a:latin typeface="Arial" charset="0"/>
+                <a:ea typeface="ＭＳ Ｐゴシック" charset="0"/>
+              </a:defRPr>
+            </a:lvl4pPr>
+            <a:lvl5pPr eaLnBrk="0" hangingPunct="0">
+              <a:defRPr sz="8400">
+                <a:solidFill>
+                  <a:schemeClr val="tx1"/>
+                </a:solidFill>
+                <a:latin typeface="Arial" charset="0"/>
+                <a:ea typeface="ＭＳ Ｐゴシック" charset="0"/>
+              </a:defRPr>
+            </a:lvl5pPr>
+            <a:lvl6pPr marL="457200" eaLnBrk="0" fontAlgn="base" hangingPunct="0">
+              <a:spcBef>
+                <a:spcPct val="0"/>
+              </a:spcBef>
+              <a:spcAft>
+                <a:spcPct val="0"/>
+              </a:spcAft>
+              <a:defRPr sz="8400">
+                <a:solidFill>
+                  <a:schemeClr val="tx1"/>
+                </a:solidFill>
+                <a:latin typeface="Arial" charset="0"/>
+                <a:ea typeface="ＭＳ Ｐゴシック" charset="0"/>
+              </a:defRPr>
+            </a:lvl6pPr>
+            <a:lvl7pPr marL="914400" eaLnBrk="0" fontAlgn="base" hangingPunct="0">
+              <a:spcBef>
+                <a:spcPct val="0"/>
+              </a:spcBef>
+              <a:spcAft>
+                <a:spcPct val="0"/>
+              </a:spcAft>
+              <a:defRPr sz="8400">
+                <a:solidFill>
+                  <a:schemeClr val="tx1"/>
+                </a:solidFill>
+                <a:latin typeface="Arial" charset="0"/>
+                <a:ea typeface="ＭＳ Ｐゴシック" charset="0"/>
+              </a:defRPr>
+            </a:lvl7pPr>
+            <a:lvl8pPr marL="1371600" eaLnBrk="0" fontAlgn="base" hangingPunct="0">
+              <a:spcBef>
+                <a:spcPct val="0"/>
+              </a:spcBef>
+              <a:spcAft>
+                <a:spcPct val="0"/>
+              </a:spcAft>
+              <a:defRPr sz="8400">
+                <a:solidFill>
+                  <a:schemeClr val="tx1"/>
+                </a:solidFill>
+                <a:latin typeface="Arial" charset="0"/>
+                <a:ea typeface="ＭＳ Ｐゴシック" charset="0"/>
+              </a:defRPr>
+            </a:lvl8pPr>
+            <a:lvl9pPr marL="1828800" eaLnBrk="0" fontAlgn="base" hangingPunct="0">
+              <a:spcBef>
+                <a:spcPct val="0"/>
+              </a:spcBef>
+              <a:spcAft>
+                <a:spcPct val="0"/>
+              </a:spcAft>
+              <a:defRPr sz="8400">
+                <a:solidFill>
+                  <a:schemeClr val="tx1"/>
+                </a:solidFill>
+                <a:latin typeface="Arial" charset="0"/>
+                <a:ea typeface="ＭＳ Ｐゴシック" charset="0"/>
+              </a:defRPr>
+            </a:lvl9pPr>
+          </a:lstStyle>
+          <a:p>
+            <a:pPr algn="ctr" eaLnBrk="1" hangingPunct="1">
+              <a:spcBef>
+                <a:spcPct val="50000"/>
+              </a:spcBef>
+            </a:pPr>
+            <a:r>
+              <a:rPr lang="en-US" sz="4100" b="1" dirty="0">
+                <a:solidFill>
+                  <a:srgbClr val="1B390A"/>
+                </a:solidFill>
+                <a:effectLst>
+                  <a:outerShdw blurRad="38100" dist="38100" dir="2700000" algn="tl">
+                    <a:srgbClr val="DDDDDD"/>
+                  </a:outerShdw>
+                </a:effectLst>
+              </a:rPr>
+              <a:t>Current System</a:t>
+            </a:r>
+          </a:p>
+        </p:txBody>
+      </p:sp>
+      <p:sp>
+        <p:nvSpPr>
+          <p:cNvPr id="35" name="Text Box 19"/>
+          <p:cNvSpPr txBox="1">
+            <a:spLocks noChangeArrowheads="1"/>
+          </p:cNvSpPr>
+          <p:nvPr/>
+        </p:nvSpPr>
+        <p:spPr bwMode="auto">
+          <a:xfrm>
+            <a:off x="23850600" y="6507163"/>
+            <a:ext cx="5486400" cy="731837"/>
+          </a:xfrm>
+          <a:prstGeom prst="rect">
+            <a:avLst/>
+          </a:prstGeom>
+          <a:solidFill>
+            <a:srgbClr val="B6A674"/>
+          </a:solidFill>
+          <a:ln>
+            <a:headEnd/>
+            <a:tailEnd/>
+          </a:ln>
+        </p:spPr>
+        <p:style>
+          <a:lnRef idx="1">
+            <a:schemeClr val="dk1"/>
+          </a:lnRef>
+          <a:fillRef idx="2">
+            <a:schemeClr val="dk1"/>
+          </a:fillRef>
+          <a:effectRef idx="1">
+            <a:schemeClr val="dk1"/>
+          </a:effectRef>
+          <a:fontRef idx="minor">
+            <a:schemeClr val="dk1"/>
+          </a:fontRef>
+        </p:style>
+        <p:txBody>
+          <a:bodyPr lIns="98655" tIns="49327" rIns="98655" bIns="49327">
+            <a:spAutoFit/>
+          </a:bodyPr>
+          <a:lstStyle>
+            <a:lvl1pPr defTabSz="985838" eaLnBrk="0" hangingPunct="0">
+              <a:defRPr sz="8400">
+                <a:solidFill>
+                  <a:schemeClr val="tx1"/>
+                </a:solidFill>
+                <a:latin typeface="Arial" charset="0"/>
+                <a:ea typeface="ＭＳ Ｐゴシック" charset="0"/>
+                <a:cs typeface="ＭＳ Ｐゴシック" charset="0"/>
+              </a:defRPr>
+            </a:lvl1pPr>
+            <a:lvl2pPr marL="37931725" indent="-37474525" defTabSz="985838" eaLnBrk="0" hangingPunct="0">
+              <a:defRPr sz="8400">
+                <a:solidFill>
+                  <a:schemeClr val="tx1"/>
+                </a:solidFill>
+                <a:latin typeface="Arial" charset="0"/>
+                <a:ea typeface="ＭＳ Ｐゴシック" charset="0"/>
+              </a:defRPr>
+            </a:lvl2pPr>
+            <a:lvl3pPr eaLnBrk="0" hangingPunct="0">
+              <a:defRPr sz="8400">
+                <a:solidFill>
+                  <a:schemeClr val="tx1"/>
+                </a:solidFill>
+                <a:latin typeface="Arial" charset="0"/>
+                <a:ea typeface="ＭＳ Ｐゴシック" charset="0"/>
+              </a:defRPr>
+            </a:lvl3pPr>
+            <a:lvl4pPr eaLnBrk="0" hangingPunct="0">
+              <a:defRPr sz="8400">
+                <a:solidFill>
+                  <a:schemeClr val="tx1"/>
+                </a:solidFill>
+                <a:latin typeface="Arial" charset="0"/>
+                <a:ea typeface="ＭＳ Ｐゴシック" charset="0"/>
+              </a:defRPr>
+            </a:lvl4pPr>
+            <a:lvl5pPr eaLnBrk="0" hangingPunct="0">
+              <a:defRPr sz="8400">
+                <a:solidFill>
+                  <a:schemeClr val="tx1"/>
+                </a:solidFill>
+                <a:latin typeface="Arial" charset="0"/>
+                <a:ea typeface="ＭＳ Ｐゴシック" charset="0"/>
+              </a:defRPr>
+            </a:lvl5pPr>
+            <a:lvl6pPr marL="457200" eaLnBrk="0" fontAlgn="base" hangingPunct="0">
+              <a:spcBef>
+                <a:spcPct val="0"/>
+              </a:spcBef>
+              <a:spcAft>
+                <a:spcPct val="0"/>
+              </a:spcAft>
+              <a:defRPr sz="8400">
+                <a:solidFill>
+                  <a:schemeClr val="tx1"/>
+                </a:solidFill>
+                <a:latin typeface="Arial" charset="0"/>
+                <a:ea typeface="ＭＳ Ｐゴシック" charset="0"/>
+              </a:defRPr>
+            </a:lvl6pPr>
+            <a:lvl7pPr marL="914400" eaLnBrk="0" fontAlgn="base" hangingPunct="0">
+              <a:spcBef>
+                <a:spcPct val="0"/>
+              </a:spcBef>
+              <a:spcAft>
+                <a:spcPct val="0"/>
+              </a:spcAft>
+              <a:defRPr sz="8400">
+                <a:solidFill>
+                  <a:schemeClr val="tx1"/>
+                </a:solidFill>
+                <a:latin typeface="Arial" charset="0"/>
+                <a:ea typeface="ＭＳ Ｐゴシック" charset="0"/>
+              </a:defRPr>
+            </a:lvl7pPr>
+            <a:lvl8pPr marL="1371600" eaLnBrk="0" fontAlgn="base" hangingPunct="0">
+              <a:spcBef>
+                <a:spcPct val="0"/>
+              </a:spcBef>
+              <a:spcAft>
+                <a:spcPct val="0"/>
+              </a:spcAft>
+              <a:defRPr sz="8400">
+                <a:solidFill>
+                  <a:schemeClr val="tx1"/>
+                </a:solidFill>
+                <a:latin typeface="Arial" charset="0"/>
+                <a:ea typeface="ＭＳ Ｐゴシック" charset="0"/>
+              </a:defRPr>
+            </a:lvl8pPr>
+            <a:lvl9pPr marL="1828800" eaLnBrk="0" fontAlgn="base" hangingPunct="0">
+              <a:spcBef>
+                <a:spcPct val="0"/>
+              </a:spcBef>
+              <a:spcAft>
+                <a:spcPct val="0"/>
+              </a:spcAft>
+              <a:defRPr sz="8400">
+                <a:solidFill>
+                  <a:schemeClr val="tx1"/>
+                </a:solidFill>
+                <a:latin typeface="Arial" charset="0"/>
+                <a:ea typeface="ＭＳ Ｐゴシック" charset="0"/>
+              </a:defRPr>
+            </a:lvl9pPr>
+          </a:lstStyle>
+          <a:p>
+            <a:pPr algn="ctr" eaLnBrk="1" hangingPunct="1">
+              <a:spcBef>
+                <a:spcPct val="50000"/>
+              </a:spcBef>
+            </a:pPr>
+            <a:r>
+              <a:rPr lang="en-US" sz="4100" b="1" dirty="0">
+                <a:solidFill>
+                  <a:srgbClr val="1B390A"/>
+                </a:solidFill>
+                <a:effectLst>
+                  <a:outerShdw blurRad="38100" dist="38100" dir="2700000" algn="tl">
+                    <a:srgbClr val="DDDDDD"/>
+                  </a:outerShdw>
+                </a:effectLst>
+              </a:rPr>
+              <a:t>Requirements</a:t>
+            </a:r>
           </a:p>
         </p:txBody>
       </p:sp>

--- a/Posters/Poster-RicardoMartinez.pptx
+++ b/Posters/Poster-RicardoMartinez.pptx
@@ -6106,12 +6106,12 @@
           <a:graphicData uri="http://schemas.openxmlformats.org/presentationml/2006/ole">
             <mc:AlternateContent xmlns:mc="http://schemas.openxmlformats.org/markup-compatibility/2006">
               <mc:Choice xmlns:v="urn:schemas-microsoft-com:vml" Requires="v">
-                <p:oleObj spid="_x0000_s1040" name="Document" r:id="rId9" imgW="5638800" imgH="2413000" progId="Word.Document.12">
+                <p:oleObj spid="_x0000_s1043" name="Document" r:id="rId10" imgW="5638800" imgH="2413000" progId="Word.Document.12">
                   <p:embed/>
                 </p:oleObj>
               </mc:Choice>
               <mc:Fallback>
-                <p:oleObj name="Document" r:id="rId9" imgW="5638800" imgH="2413000" progId="Word.Document.12">
+                <p:oleObj name="Document" r:id="rId10" imgW="5638800" imgH="2413000" progId="Word.Document.12">
                   <p:embed/>
                   <p:pic>
                     <p:nvPicPr>
@@ -6120,7 +6120,7 @@
                       <p:nvPr/>
                     </p:nvPicPr>
                     <p:blipFill>
-                      <a:blip r:embed="rId10"/>
+                      <a:blip r:embed="rId11"/>
                       <a:stretch>
                         <a:fillRect/>
                       </a:stretch>
@@ -6150,7 +6150,7 @@
           <p:nvPr/>
         </p:nvPicPr>
         <p:blipFill>
-          <a:blip r:embed="rId11">
+          <a:blip r:embed="rId12">
             <a:extLst>
               <a:ext uri="{28A0092B-C50C-407E-A947-70E740481C1C}">
                 <a14:useLocalDpi xmlns:a14="http://schemas.microsoft.com/office/drawing/2010/main" val="0"/>
@@ -6174,36 +6174,6 @@
       <p:pic>
         <p:nvPicPr>
           <p:cNvPr id="27" name="Picture 26" descr="Screen Shot 2014-12-03 at 9.38.48 PM.png"/>
-          <p:cNvPicPr>
-            <a:picLocks noChangeAspect="1"/>
-          </p:cNvPicPr>
-          <p:nvPr/>
-        </p:nvPicPr>
-        <p:blipFill>
-          <a:blip r:embed="rId12">
-            <a:extLst>
-              <a:ext uri="{28A0092B-C50C-407E-A947-70E740481C1C}">
-                <a14:useLocalDpi xmlns:a14="http://schemas.microsoft.com/office/drawing/2010/main" val="0"/>
-              </a:ext>
-            </a:extLst>
-          </a:blip>
-          <a:stretch>
-            <a:fillRect/>
-          </a:stretch>
-        </p:blipFill>
-        <p:spPr>
-          <a:xfrm>
-            <a:off x="21564600" y="31751826"/>
-            <a:ext cx="4994044" cy="5613400"/>
-          </a:xfrm>
-          <a:prstGeom prst="rect">
-            <a:avLst/>
-          </a:prstGeom>
-        </p:spPr>
-      </p:pic>
-      <p:pic>
-        <p:nvPicPr>
-          <p:cNvPr id="29" name="Picture 28" descr="EstimatedTime.png"/>
           <p:cNvPicPr>
             <a:picLocks noChangeAspect="1"/>
           </p:cNvPicPr>
@@ -6223,6 +6193,36 @@
         </p:blipFill>
         <p:spPr>
           <a:xfrm>
+            <a:off x="21564600" y="31751826"/>
+            <a:ext cx="4994044" cy="5613400"/>
+          </a:xfrm>
+          <a:prstGeom prst="rect">
+            <a:avLst/>
+          </a:prstGeom>
+        </p:spPr>
+      </p:pic>
+      <p:pic>
+        <p:nvPicPr>
+          <p:cNvPr id="29" name="Picture 28" descr="EstimatedTime.png"/>
+          <p:cNvPicPr>
+            <a:picLocks noChangeAspect="1"/>
+          </p:cNvPicPr>
+          <p:nvPr/>
+        </p:nvPicPr>
+        <p:blipFill>
+          <a:blip r:embed="rId14">
+            <a:extLst>
+              <a:ext uri="{28A0092B-C50C-407E-A947-70E740481C1C}">
+                <a14:useLocalDpi xmlns:a14="http://schemas.microsoft.com/office/drawing/2010/main" val="0"/>
+              </a:ext>
+            </a:extLst>
+          </a:blip>
+          <a:stretch>
+            <a:fillRect/>
+          </a:stretch>
+        </p:blipFill>
+        <p:spPr>
+          <a:xfrm>
             <a:off x="1752600" y="19758464"/>
             <a:ext cx="9144000" cy="8600064"/>
           </a:xfrm>
@@ -6687,7 +6687,7 @@
           <p:nvPr/>
         </p:nvPicPr>
         <p:blipFill>
-          <a:blip r:embed="rId14">
+          <a:blip r:embed="rId15">
             <a:extLst>
               <a:ext uri="{28A0092B-C50C-407E-A947-70E740481C1C}">
                 <a14:useLocalDpi xmlns:a14="http://schemas.microsoft.com/office/drawing/2010/main" val="0"/>
@@ -6892,7 +6892,7 @@
           <p:nvPr/>
         </p:nvPicPr>
         <p:blipFill>
-          <a:blip r:embed="rId15">
+          <a:blip r:embed="rId16">
             <a:extLst>
               <a:ext uri="{28A0092B-C50C-407E-A947-70E740481C1C}">
                 <a14:useLocalDpi xmlns:a14="http://schemas.microsoft.com/office/drawing/2010/main" val="0"/>
@@ -6922,7 +6922,7 @@
           <p:nvPr/>
         </p:nvPicPr>
         <p:blipFill>
-          <a:blip r:embed="rId16">
+          <a:blip r:embed="rId17">
             <a:extLst>
               <a:ext uri="{28A0092B-C50C-407E-A947-70E740481C1C}">
                 <a14:useLocalDpi xmlns:a14="http://schemas.microsoft.com/office/drawing/2010/main" val="0"/>
@@ -7185,7 +7185,7 @@
         </p:nvSpPr>
         <p:spPr>
           <a:xfrm>
-            <a:off x="20345400" y="14173200"/>
+            <a:off x="20345400" y="14020800"/>
             <a:ext cx="8610600" cy="1631216"/>
           </a:xfrm>
           <a:prstGeom prst="rect">
@@ -7211,21 +7211,8 @@
             </a:pPr>
             <a:r>
               <a:rPr lang="en-US" sz="2500" dirty="0" smtClean="0"/>
-              <a:t>Presentation Layer </a:t>
-            </a:r>
-            <a:r>
-              <a:rPr lang="en-US" sz="2500" dirty="0" smtClean="0"/>
-              <a:t>– </a:t>
-            </a:r>
-            <a:r>
-              <a:rPr lang="en-US" sz="2500" dirty="0" err="1" smtClean="0"/>
-              <a:t>Sencha</a:t>
-            </a:r>
-            <a:r>
-              <a:rPr lang="en-US" sz="2500" dirty="0" smtClean="0"/>
-              <a:t> Application </a:t>
-            </a:r>
-            <a:endParaRPr lang="en-US" sz="2500" dirty="0" smtClean="0"/>
+              <a:t>Presentation Layer – Sencha Application </a:t>
+            </a:r>
           </a:p>
           <a:p>
             <a:pPr marL="457200" indent="-457200">
@@ -7234,17 +7221,8 @@
             </a:pPr>
             <a:r>
               <a:rPr lang="en-US" sz="2500" dirty="0" smtClean="0"/>
-              <a:t>Business Layer – </a:t>
-            </a:r>
-            <a:r>
-              <a:rPr lang="en-US" sz="2500" dirty="0" smtClean="0"/>
-              <a:t>Spring/Tomca</a:t>
-            </a:r>
-            <a:r>
-              <a:rPr lang="en-US" sz="2500" dirty="0" smtClean="0"/>
-              <a:t>t Server</a:t>
-            </a:r>
-            <a:endParaRPr lang="en-US" sz="2500" dirty="0" smtClean="0"/>
+              <a:t>Business Layer – Spring/Tomcat Server</a:t>
+            </a:r>
           </a:p>
           <a:p>
             <a:pPr marL="457200" indent="-457200">
@@ -7253,15 +7231,7 @@
             </a:pPr>
             <a:r>
               <a:rPr lang="en-US" sz="2500" dirty="0" smtClean="0"/>
-              <a:t>Data Layer – </a:t>
-            </a:r>
-            <a:r>
-              <a:rPr lang="en-US" sz="2500" dirty="0" smtClean="0"/>
-              <a:t>MySQL </a:t>
-            </a:r>
-            <a:r>
-              <a:rPr lang="en-US" sz="2500" dirty="0" smtClean="0"/>
-              <a:t>Database</a:t>
+              <a:t>Data Layer – MySQL Database</a:t>
             </a:r>
             <a:endParaRPr lang="en-US" sz="2500" dirty="0"/>
           </a:p>
@@ -7320,12 +7290,12 @@
           <a:graphicData uri="http://schemas.openxmlformats.org/presentationml/2006/ole">
             <mc:AlternateContent xmlns:mc="http://schemas.openxmlformats.org/markup-compatibility/2006">
               <mc:Choice xmlns:v="urn:schemas-microsoft-com:vml" Requires="v">
-                <p:oleObj spid="_x0000_s1041" name="Image" r:id="rId17" imgW="4055760" imgH="1371240" progId="Photoshop.Image.15">
+                <p:oleObj spid="_x0000_s1044" name="Image" r:id="rId18" imgW="4055760" imgH="1371240" progId="Photoshop.Image.15">
                   <p:embed/>
                 </p:oleObj>
               </mc:Choice>
               <mc:Fallback>
-                <p:oleObj name="Image" r:id="rId17" imgW="4055760" imgH="1371240" progId="Photoshop.Image.15">
+                <p:oleObj name="Image" r:id="rId18" imgW="4055760" imgH="1371240" progId="Photoshop.Image.15">
                   <p:embed/>
                   <p:pic>
                     <p:nvPicPr>
@@ -7334,7 +7304,7 @@
                       <p:nvPr/>
                     </p:nvPicPr>
                     <p:blipFill>
-                      <a:blip r:embed="rId18"/>
+                      <a:blip r:embed="rId19"/>
                       <a:stretch>
                         <a:fillRect/>
                       </a:stretch>
@@ -7394,7 +7364,7 @@
           <p:nvPr/>
         </p:nvPicPr>
         <p:blipFill>
-          <a:blip r:embed="rId19">
+          <a:blip r:embed="rId20">
             <a:extLst>
               <a:ext uri="{28A0092B-C50C-407E-A947-70E740481C1C}">
                 <a14:useLocalDpi xmlns:a14="http://schemas.microsoft.com/office/drawing/2010/main" val="0"/>
@@ -7424,7 +7394,7 @@
           <p:nvPr/>
         </p:nvPicPr>
         <p:blipFill>
-          <a:blip r:embed="rId20">
+          <a:blip r:embed="rId21">
             <a:extLst>
               <a:ext uri="{28A0092B-C50C-407E-A947-70E740481C1C}">
                 <a14:useLocalDpi xmlns:a14="http://schemas.microsoft.com/office/drawing/2010/main" val="0"/>

--- a/Posters/Poster-RicardoMartinez.pptx
+++ b/Posters/Poster-RicardoMartinez.pptx
@@ -4846,7 +4846,7 @@
           <a:noFill/>
           <a:ln w="63500">
             <a:solidFill>
-              <a:srgbClr val="0033CC"/>
+              <a:srgbClr val="1A3908"/>
             </a:solidFill>
             <a:miter lim="800000"/>
             <a:headEnd/>
@@ -4887,7 +4887,7 @@
             <a:avLst/>
           </a:prstGeom>
           <a:solidFill>
-            <a:schemeClr val="bg1"/>
+            <a:srgbClr val="B6A674"/>
           </a:solidFill>
           <a:ln w="12700">
             <a:solidFill>
@@ -5020,7 +5020,7 @@
             <a:r>
               <a:rPr lang="en-US" sz="4100" b="1" dirty="0">
                 <a:solidFill>
-                  <a:srgbClr val="336699"/>
+                  <a:srgbClr val="1A3908"/>
                 </a:solidFill>
                 <a:effectLst>
                   <a:outerShdw blurRad="38100" dist="38100" dir="2700000" algn="tl">
@@ -5978,7 +5978,7 @@
         <p:spPr>
           <a:xfrm>
             <a:off x="1524000" y="32315289"/>
-            <a:ext cx="9753600" cy="5632311"/>
+            <a:ext cx="9753600" cy="5170646"/>
           </a:xfrm>
           <a:prstGeom prst="rect">
             <a:avLst/>
@@ -5991,15 +5991,26 @@
           </a:bodyPr>
           <a:lstStyle/>
           <a:p>
+            <a:pPr algn="just"/>
             <a:r>
               <a:rPr lang="en-US" sz="3000" dirty="0" smtClean="0"/>
-              <a:t>After all the work that was implemented for this project, the application can now</a:t>
-            </a:r>
-          </a:p>
-          <a:p>
+              <a:t>After all the work that was implemented for this project, the </a:t>
+            </a:r>
             <a:r>
               <a:rPr lang="en-US" sz="3000" dirty="0" smtClean="0"/>
-              <a:t>be used for tracking the Pinecrest People Mover bus, show all stops, and estimate arrival time for the bus to a stop. </a:t>
+              <a:t>application, in its first stage, </a:t>
+            </a:r>
+            <a:r>
+              <a:rPr lang="en-US" sz="3000" dirty="0" smtClean="0"/>
+              <a:t>can </a:t>
+            </a:r>
+            <a:r>
+              <a:rPr lang="en-US" sz="3000" dirty="0" smtClean="0"/>
+              <a:t>now be </a:t>
+            </a:r>
+            <a:r>
+              <a:rPr lang="en-US" sz="3000" dirty="0" smtClean="0"/>
+              <a:t>used for tracking the Pinecrest People Mover bus, show all stops, and estimate arrival time for the bus to a stop. </a:t>
             </a:r>
             <a:br>
               <a:rPr lang="en-US" sz="3000" dirty="0" smtClean="0"/>
@@ -6035,7 +6046,15 @@
             </a:br>
             <a:r>
               <a:rPr lang="en-US" sz="3000" dirty="0" smtClean="0"/>
-              <a:t>The application is compatible with both web and mobile devices.</a:t>
+              <a:t>The application </a:t>
+            </a:r>
+            <a:r>
+              <a:rPr lang="en-US" sz="3000" dirty="0" smtClean="0"/>
+              <a:t>is compatible </a:t>
+            </a:r>
+            <a:r>
+              <a:rPr lang="en-US" sz="3000" dirty="0" smtClean="0"/>
+              <a:t>with both web and mobile devices.</a:t>
             </a:r>
             <a:endParaRPr lang="en-US" sz="3000" dirty="0"/>
           </a:p>
@@ -6063,6 +6082,7 @@
           </a:bodyPr>
           <a:lstStyle/>
           <a:p>
+            <a:pPr algn="just"/>
             <a:r>
               <a:rPr lang="en-US" sz="3000" dirty="0" smtClean="0"/>
               <a:t>Testing for this project was divided into two sections: system testing and integration testing. Above is an example of a system test case.</a:t>
@@ -6073,6 +6093,7 @@
             <a:endParaRPr lang="en-US" sz="3000" dirty="0"/>
           </a:p>
           <a:p>
+            <a:pPr algn="just"/>
             <a:r>
               <a:rPr lang="en-US" sz="3000" b="1" dirty="0" smtClean="0"/>
               <a:t>System Testing </a:t>
@@ -6093,7 +6114,7 @@
           <p:nvPr>
             <p:extLst>
               <p:ext uri="{D42A27DB-BD31-4B8C-83A1-F6EECF244321}">
-                <p14:modId xmlns:p14="http://schemas.microsoft.com/office/powerpoint/2010/main" val="1321704127"/>
+                <p14:modId xmlns:p14="http://schemas.microsoft.com/office/powerpoint/2010/main" val="515124955"/>
               </p:ext>
             </p:extLst>
           </p:nvPr>
@@ -6106,12 +6127,12 @@
           <a:graphicData uri="http://schemas.openxmlformats.org/presentationml/2006/ole">
             <mc:AlternateContent xmlns:mc="http://schemas.openxmlformats.org/markup-compatibility/2006">
               <mc:Choice xmlns:v="urn:schemas-microsoft-com:vml" Requires="v">
-                <p:oleObj spid="_x0000_s1043" name="Document" r:id="rId10" imgW="5638800" imgH="2413000" progId="Word.Document.12">
+                <p:oleObj spid="_x0000_s1090" name="Document" r:id="rId9" imgW="5638800" imgH="2413000" progId="Word.Document.12">
                   <p:embed/>
                 </p:oleObj>
               </mc:Choice>
               <mc:Fallback>
-                <p:oleObj name="Document" r:id="rId10" imgW="5638800" imgH="2413000" progId="Word.Document.12">
+                <p:oleObj name="Document" r:id="rId9" imgW="5638800" imgH="2413000" progId="Word.Document.12">
                   <p:embed/>
                   <p:pic>
                     <p:nvPicPr>
@@ -6120,7 +6141,7 @@
                       <p:nvPr/>
                     </p:nvPicPr>
                     <p:blipFill>
-                      <a:blip r:embed="rId11"/>
+                      <a:blip r:embed="rId10"/>
                       <a:stretch>
                         <a:fillRect/>
                       </a:stretch>
@@ -6150,7 +6171,7 @@
           <p:nvPr/>
         </p:nvPicPr>
         <p:blipFill>
-          <a:blip r:embed="rId12">
+          <a:blip r:embed="rId11">
             <a:extLst>
               <a:ext uri="{28A0092B-C50C-407E-A947-70E740481C1C}">
                 <a14:useLocalDpi xmlns:a14="http://schemas.microsoft.com/office/drawing/2010/main" val="0"/>
@@ -6174,6 +6195,36 @@
       <p:pic>
         <p:nvPicPr>
           <p:cNvPr id="27" name="Picture 26" descr="Screen Shot 2014-12-03 at 9.38.48 PM.png"/>
+          <p:cNvPicPr>
+            <a:picLocks noChangeAspect="1"/>
+          </p:cNvPicPr>
+          <p:nvPr/>
+        </p:nvPicPr>
+        <p:blipFill>
+          <a:blip r:embed="rId12">
+            <a:extLst>
+              <a:ext uri="{28A0092B-C50C-407E-A947-70E740481C1C}">
+                <a14:useLocalDpi xmlns:a14="http://schemas.microsoft.com/office/drawing/2010/main" val="0"/>
+              </a:ext>
+            </a:extLst>
+          </a:blip>
+          <a:stretch>
+            <a:fillRect/>
+          </a:stretch>
+        </p:blipFill>
+        <p:spPr>
+          <a:xfrm>
+            <a:off x="21564600" y="31751826"/>
+            <a:ext cx="4994044" cy="5613400"/>
+          </a:xfrm>
+          <a:prstGeom prst="rect">
+            <a:avLst/>
+          </a:prstGeom>
+        </p:spPr>
+      </p:pic>
+      <p:pic>
+        <p:nvPicPr>
+          <p:cNvPr id="29" name="Picture 28" descr="EstimatedTime.png"/>
           <p:cNvPicPr>
             <a:picLocks noChangeAspect="1"/>
           </p:cNvPicPr>
@@ -6193,36 +6244,6 @@
         </p:blipFill>
         <p:spPr>
           <a:xfrm>
-            <a:off x="21564600" y="31751826"/>
-            <a:ext cx="4994044" cy="5613400"/>
-          </a:xfrm>
-          <a:prstGeom prst="rect">
-            <a:avLst/>
-          </a:prstGeom>
-        </p:spPr>
-      </p:pic>
-      <p:pic>
-        <p:nvPicPr>
-          <p:cNvPr id="29" name="Picture 28" descr="EstimatedTime.png"/>
-          <p:cNvPicPr>
-            <a:picLocks noChangeAspect="1"/>
-          </p:cNvPicPr>
-          <p:nvPr/>
-        </p:nvPicPr>
-        <p:blipFill>
-          <a:blip r:embed="rId14">
-            <a:extLst>
-              <a:ext uri="{28A0092B-C50C-407E-A947-70E740481C1C}">
-                <a14:useLocalDpi xmlns:a14="http://schemas.microsoft.com/office/drawing/2010/main" val="0"/>
-              </a:ext>
-            </a:extLst>
-          </a:blip>
-          <a:stretch>
-            <a:fillRect/>
-          </a:stretch>
-        </p:blipFill>
-        <p:spPr>
-          <a:xfrm>
             <a:off x="1752600" y="19758464"/>
             <a:ext cx="9144000" cy="8600064"/>
           </a:xfrm>
@@ -6305,7 +6326,7 @@
         <p:spPr>
           <a:xfrm>
             <a:off x="2895600" y="7604165"/>
-            <a:ext cx="8077200" cy="7940635"/>
+            <a:ext cx="8077200" cy="8402300"/>
           </a:xfrm>
           <a:prstGeom prst="rect">
             <a:avLst/>
@@ -6318,13 +6339,19 @@
           </a:bodyPr>
           <a:lstStyle/>
           <a:p>
+            <a:pPr algn="just"/>
             <a:r>
               <a:rPr lang="en-US" sz="3000" dirty="0" smtClean="0"/>
               <a:t>The Pinecrest People Mover goes beyond the limits of a regular school bus. </a:t>
             </a:r>
-          </a:p>
-          <a:p>
-            <a:pPr marL="457200" indent="-457200">
+            <a:endParaRPr lang="en-US" sz="3000" dirty="0" smtClean="0"/>
+          </a:p>
+          <a:p>
+            <a:pPr algn="just"/>
+            <a:endParaRPr lang="en-US" sz="3000" dirty="0" smtClean="0"/>
+          </a:p>
+          <a:p>
+            <a:pPr marL="457200" indent="-457200" algn="just">
               <a:buFont typeface="Arial"/>
               <a:buChar char="•"/>
             </a:pPr>
@@ -6334,7 +6361,7 @@
             </a:r>
           </a:p>
           <a:p>
-            <a:pPr marL="457200" indent="-457200">
+            <a:pPr marL="457200" indent="-457200" algn="just">
               <a:buFont typeface="Arial"/>
               <a:buChar char="•"/>
             </a:pPr>
@@ -6349,7 +6376,7 @@
             <a:endParaRPr lang="en-US" sz="3000" dirty="0"/>
           </a:p>
           <a:p>
-            <a:pPr marL="457200" indent="-457200">
+            <a:pPr marL="457200" indent="-457200" algn="just">
               <a:buFont typeface="Arial"/>
               <a:buChar char="•"/>
             </a:pPr>
@@ -6363,9 +6390,25 @@
             <a:endParaRPr lang="en-US" sz="3000" dirty="0" smtClean="0"/>
           </a:p>
           <a:p>
+            <a:pPr algn="just"/>
             <a:r>
               <a:rPr lang="en-US" sz="3000" b="1" i="1" dirty="0" smtClean="0"/>
-              <a:t> The problem I had to tackle was to show the estimated arrival time of the bus for a particular stop, the location of the stop, and display the routes.</a:t>
+              <a:t>The </a:t>
+            </a:r>
+            <a:r>
+              <a:rPr lang="en-US" sz="3000" b="1" i="1" dirty="0" smtClean="0"/>
+              <a:t>problem I had to tackle was to show the estimated arrival time of the bus for a particular </a:t>
+            </a:r>
+            <a:r>
+              <a:rPr lang="en-US" sz="3000" b="1" i="1" dirty="0" smtClean="0">
+                <a:latin typeface="Calibri"/>
+                <a:cs typeface="Calibri"/>
+              </a:rPr>
+              <a:t>stop</a:t>
+            </a:r>
+            <a:r>
+              <a:rPr lang="en-US" sz="3000" b="1" i="1" dirty="0" smtClean="0"/>
+              <a:t>, the location of the stop, and display the routes.</a:t>
             </a:r>
             <a:endParaRPr lang="en-US" sz="3000" b="1" i="1" dirty="0"/>
           </a:p>
@@ -6393,6 +6436,7 @@
           </a:bodyPr>
           <a:lstStyle/>
           <a:p>
+            <a:pPr algn="just"/>
             <a:r>
               <a:rPr lang="en-US" sz="3000" dirty="0" smtClean="0"/>
               <a:t>Currently, there are several trolley or bus trackers in Miami. However, there are no applications that focus only on the Village of Pinecrest. </a:t>
@@ -6424,7 +6468,7 @@
         <p:spPr>
           <a:xfrm>
             <a:off x="23012400" y="7792283"/>
-            <a:ext cx="7543800" cy="4247317"/>
+            <a:ext cx="7543800" cy="4708981"/>
           </a:xfrm>
           <a:prstGeom prst="rect">
             <a:avLst/>
@@ -6440,46 +6484,43 @@
             <a:pPr algn="ctr"/>
             <a:r>
               <a:rPr lang="en-US" sz="3000" dirty="0" smtClean="0"/>
-              <a:t>Requirements implemented per request of the client that I developed:</a:t>
-            </a:r>
-          </a:p>
-          <a:p>
+              <a:t>Requirements </a:t>
+            </a:r>
+            <a:r>
+              <a:rPr lang="en-US" sz="3000" dirty="0" smtClean="0"/>
+              <a:t>per </a:t>
+            </a:r>
+            <a:r>
+              <a:rPr lang="en-US" sz="3000" dirty="0" smtClean="0"/>
+              <a:t>request of the client that I developed</a:t>
+            </a:r>
+            <a:r>
+              <a:rPr lang="en-US" sz="3000" dirty="0" smtClean="0"/>
+              <a:t>:</a:t>
+            </a:r>
+          </a:p>
+          <a:p>
+            <a:pPr algn="ctr"/>
             <a:endParaRPr lang="en-US" sz="3000" dirty="0" smtClean="0"/>
           </a:p>
           <a:p>
             <a:pPr marL="457200" indent="-457200">
-              <a:buFont typeface="Wingdings" charset="2"/>
-              <a:buChar char="ü"/>
+              <a:buFont typeface="Courier New"/>
+              <a:buChar char="o"/>
             </a:pPr>
             <a:r>
               <a:rPr lang="en-US" sz="3000" dirty="0" smtClean="0"/>
-              <a:t>Estimated Time for Given Stop</a:t>
+              <a:t>Display </a:t>
+            </a:r>
+            <a:r>
+              <a:rPr lang="en-US" sz="3000" dirty="0" smtClean="0"/>
+              <a:t>stops on map</a:t>
             </a:r>
           </a:p>
           <a:p>
             <a:pPr marL="457200" indent="-457200">
-              <a:buFont typeface="Wingdings" charset="2"/>
-              <a:buChar char="ü"/>
-            </a:pPr>
-            <a:r>
-              <a:rPr lang="en-US" sz="3000" dirty="0" smtClean="0"/>
-              <a:t>Estimated Time for Favorite Stop</a:t>
-            </a:r>
-          </a:p>
-          <a:p>
-            <a:pPr marL="457200" indent="-457200">
-              <a:buFont typeface="Wingdings" charset="2"/>
-              <a:buChar char="ü"/>
-            </a:pPr>
-            <a:r>
-              <a:rPr lang="en-US" sz="3000" dirty="0" smtClean="0"/>
-              <a:t>Display stops on map</a:t>
-            </a:r>
-          </a:p>
-          <a:p>
-            <a:pPr marL="457200" indent="-457200">
-              <a:buFont typeface="Wingdings" charset="2"/>
-              <a:buChar char="ü"/>
+              <a:buFont typeface="Courier New"/>
+              <a:buChar char="o"/>
             </a:pPr>
             <a:r>
               <a:rPr lang="en-US" sz="3000" dirty="0" smtClean="0"/>
@@ -6488,8 +6529,8 @@
           </a:p>
           <a:p>
             <a:pPr marL="457200" indent="-457200">
-              <a:buFont typeface="Wingdings" charset="2"/>
-              <a:buChar char="ü"/>
+              <a:buFont typeface="Courier New"/>
+              <a:buChar char="o"/>
             </a:pPr>
             <a:r>
               <a:rPr lang="en-US" sz="3000" dirty="0" smtClean="0"/>
@@ -6498,13 +6539,41 @@
           </a:p>
           <a:p>
             <a:pPr marL="457200" indent="-457200">
-              <a:buFont typeface="Wingdings" charset="2"/>
-              <a:buChar char="ü"/>
+              <a:buFont typeface="Courier New"/>
+              <a:buChar char="o"/>
             </a:pPr>
             <a:r>
               <a:rPr lang="en-US" sz="3000" dirty="0" smtClean="0"/>
-              <a:t>Find nearest stop for current location</a:t>
-            </a:r>
+              <a:t>Find nearest stop for current </a:t>
+            </a:r>
+            <a:r>
+              <a:rPr lang="en-US" sz="3000" dirty="0" smtClean="0"/>
+              <a:t>location</a:t>
+            </a:r>
+            <a:endParaRPr lang="en-US" sz="3000" dirty="0"/>
+          </a:p>
+          <a:p>
+            <a:pPr marL="457200" indent="-457200">
+              <a:buFont typeface="Courier New"/>
+              <a:buChar char="o"/>
+            </a:pPr>
+            <a:r>
+              <a:rPr lang="en-US" sz="3000" dirty="0"/>
+              <a:t>Estimated Time for Given Stop</a:t>
+            </a:r>
+          </a:p>
+          <a:p>
+            <a:pPr marL="457200" indent="-457200">
+              <a:buFont typeface="Courier New"/>
+              <a:buChar char="o"/>
+            </a:pPr>
+            <a:r>
+              <a:rPr lang="en-US" sz="3000" dirty="0"/>
+              <a:t>Estimated Time for Favorite Stop</a:t>
+            </a:r>
+          </a:p>
+          <a:p>
+            <a:endParaRPr lang="en-US" sz="3000" dirty="0" smtClean="0"/>
           </a:p>
         </p:txBody>
       </p:sp>
@@ -6687,7 +6756,7 @@
           <p:nvPr/>
         </p:nvPicPr>
         <p:blipFill>
-          <a:blip r:embed="rId15">
+          <a:blip r:embed="rId14">
             <a:extLst>
               <a:ext uri="{28A0092B-C50C-407E-A947-70E740481C1C}">
                 <a14:useLocalDpi xmlns:a14="http://schemas.microsoft.com/office/drawing/2010/main" val="0"/>
@@ -6779,8 +6848,8 @@
         </p:nvSpPr>
         <p:spPr>
           <a:xfrm>
-            <a:off x="14554200" y="34594800"/>
-            <a:ext cx="4191000" cy="1631216"/>
+            <a:off x="15011400" y="34213800"/>
+            <a:ext cx="3352800" cy="1631216"/>
           </a:xfrm>
           <a:prstGeom prst="rect">
             <a:avLst/>
@@ -6793,6 +6862,7 @@
           </a:bodyPr>
           <a:lstStyle/>
           <a:p>
+            <a:pPr algn="just"/>
             <a:r>
               <a:rPr lang="en-US" sz="2500" dirty="0" smtClean="0">
                 <a:solidFill>
@@ -6837,8 +6907,8 @@
         </p:nvSpPr>
         <p:spPr>
           <a:xfrm>
-            <a:off x="14859000" y="25755600"/>
-            <a:ext cx="3505200" cy="2015936"/>
+            <a:off x="15163800" y="25450800"/>
+            <a:ext cx="3048000" cy="2015936"/>
           </a:xfrm>
           <a:prstGeom prst="rect">
             <a:avLst/>
@@ -6851,6 +6921,7 @@
           </a:bodyPr>
           <a:lstStyle/>
           <a:p>
+            <a:pPr algn="just"/>
             <a:r>
               <a:rPr lang="en-US" sz="2500" dirty="0" smtClean="0">
                 <a:solidFill>
@@ -6886,6 +6957,36 @@
       <p:pic>
         <p:nvPicPr>
           <p:cNvPr id="25" name="Picture 24" descr="Screen Shot 2014-12-03 at 8.28.46 PM.png"/>
+          <p:cNvPicPr>
+            <a:picLocks noChangeAspect="1"/>
+          </p:cNvPicPr>
+          <p:nvPr/>
+        </p:nvPicPr>
+        <p:blipFill>
+          <a:blip r:embed="rId15">
+            <a:extLst>
+              <a:ext uri="{28A0092B-C50C-407E-A947-70E740481C1C}">
+                <a14:useLocalDpi xmlns:a14="http://schemas.microsoft.com/office/drawing/2010/main" val="0"/>
+              </a:ext>
+            </a:extLst>
+          </a:blip>
+          <a:stretch>
+            <a:fillRect/>
+          </a:stretch>
+        </p:blipFill>
+        <p:spPr>
+          <a:xfrm>
+            <a:off x="12877800" y="19812000"/>
+            <a:ext cx="7798279" cy="5486400"/>
+          </a:xfrm>
+          <a:prstGeom prst="rect">
+            <a:avLst/>
+          </a:prstGeom>
+        </p:spPr>
+      </p:pic>
+      <p:pic>
+        <p:nvPicPr>
+          <p:cNvPr id="20" name="Picture 19" descr="Screen Shot 2014-12-03 at 8.32.26 PM.png"/>
           <p:cNvPicPr>
             <a:picLocks noChangeAspect="1"/>
           </p:cNvPicPr>
@@ -6905,36 +7006,6 @@
         </p:blipFill>
         <p:spPr>
           <a:xfrm>
-            <a:off x="12877800" y="19812000"/>
-            <a:ext cx="7798279" cy="5486400"/>
-          </a:xfrm>
-          <a:prstGeom prst="rect">
-            <a:avLst/>
-          </a:prstGeom>
-        </p:spPr>
-      </p:pic>
-      <p:pic>
-        <p:nvPicPr>
-          <p:cNvPr id="20" name="Picture 19" descr="Screen Shot 2014-12-03 at 8.32.26 PM.png"/>
-          <p:cNvPicPr>
-            <a:picLocks noChangeAspect="1"/>
-          </p:cNvPicPr>
-          <p:nvPr/>
-        </p:nvPicPr>
-        <p:blipFill>
-          <a:blip r:embed="rId17">
-            <a:extLst>
-              <a:ext uri="{28A0092B-C50C-407E-A947-70E740481C1C}">
-                <a14:useLocalDpi xmlns:a14="http://schemas.microsoft.com/office/drawing/2010/main" val="0"/>
-              </a:ext>
-            </a:extLst>
-          </a:blip>
-          <a:stretch>
-            <a:fillRect/>
-          </a:stretch>
-        </p:blipFill>
-        <p:spPr>
-          <a:xfrm>
             <a:off x="13106400" y="28346400"/>
             <a:ext cx="7230493" cy="5562600"/>
           </a:xfrm>
@@ -6953,7 +7024,7 @@
         </p:nvSpPr>
         <p:spPr bwMode="auto">
           <a:xfrm>
-            <a:off x="13716000" y="18669000"/>
+            <a:off x="14097000" y="18669000"/>
             <a:ext cx="5486400" cy="731838"/>
           </a:xfrm>
           <a:prstGeom prst="rect">
@@ -7140,7 +7211,23 @@
             <a:pPr algn="ctr"/>
             <a:r>
               <a:rPr lang="en-US" sz="2500" dirty="0" smtClean="0"/>
-              <a:t>View when Near Me button is selected</a:t>
+              <a:t>View when </a:t>
+            </a:r>
+            <a:r>
+              <a:rPr lang="en-US" sz="2500" dirty="0" smtClean="0"/>
+              <a:t>‘near </a:t>
+            </a:r>
+            <a:r>
+              <a:rPr lang="en-US" sz="2500" dirty="0" smtClean="0"/>
+              <a:t>m</a:t>
+            </a:r>
+            <a:r>
+              <a:rPr lang="en-US" sz="2500" dirty="0" smtClean="0"/>
+              <a:t>e’ </a:t>
+            </a:r>
+            <a:r>
+              <a:rPr lang="en-US" sz="2500" dirty="0" smtClean="0"/>
+              <a:t>button is selected</a:t>
             </a:r>
             <a:endParaRPr lang="en-US" sz="2500" dirty="0"/>
           </a:p>
@@ -7171,7 +7258,31 @@
             <a:pPr algn="ctr"/>
             <a:r>
               <a:rPr lang="en-US" sz="2500" dirty="0" smtClean="0"/>
-              <a:t>Main Menu with Estimated Time functionality showing</a:t>
+              <a:t>Main </a:t>
+            </a:r>
+            <a:r>
+              <a:rPr lang="en-US" sz="2500" dirty="0" smtClean="0"/>
+              <a:t>menu </a:t>
+            </a:r>
+            <a:r>
+              <a:rPr lang="en-US" sz="2500" dirty="0" smtClean="0"/>
+              <a:t>with </a:t>
+            </a:r>
+            <a:r>
+              <a:rPr lang="en-US" sz="2500" dirty="0" smtClean="0"/>
+              <a:t>estimated </a:t>
+            </a:r>
+            <a:r>
+              <a:rPr lang="en-US" sz="2500" dirty="0"/>
+              <a:t>t</a:t>
+            </a:r>
+            <a:r>
+              <a:rPr lang="en-US" sz="2500" dirty="0" smtClean="0"/>
+              <a:t>ime </a:t>
+            </a:r>
+            <a:r>
+              <a:rPr lang="en-US" sz="2500" dirty="0" smtClean="0"/>
+              <a:t>functionality showing</a:t>
             </a:r>
             <a:endParaRPr lang="en-US" sz="2500" dirty="0"/>
           </a:p>
@@ -7199,13 +7310,14 @@
           </a:bodyPr>
           <a:lstStyle/>
           <a:p>
+            <a:pPr algn="just"/>
             <a:r>
               <a:rPr lang="en-US" sz="2500" dirty="0" smtClean="0"/>
               <a:t>3-Tier Architecture</a:t>
             </a:r>
           </a:p>
           <a:p>
-            <a:pPr marL="457200" indent="-457200">
+            <a:pPr marL="457200" indent="-457200" algn="just">
               <a:buFont typeface="Arial"/>
               <a:buChar char="•"/>
             </a:pPr>
@@ -7215,7 +7327,7 @@
             </a:r>
           </a:p>
           <a:p>
-            <a:pPr marL="457200" indent="-457200">
+            <a:pPr marL="457200" indent="-457200" algn="just">
               <a:buFont typeface="Arial"/>
               <a:buChar char="•"/>
             </a:pPr>
@@ -7225,7 +7337,7 @@
             </a:r>
           </a:p>
           <a:p>
-            <a:pPr marL="457200" indent="-457200">
+            <a:pPr marL="457200" indent="-457200" algn="just">
               <a:buFont typeface="Arial"/>
               <a:buChar char="•"/>
             </a:pPr>
@@ -7290,12 +7402,12 @@
           <a:graphicData uri="http://schemas.openxmlformats.org/presentationml/2006/ole">
             <mc:AlternateContent xmlns:mc="http://schemas.openxmlformats.org/markup-compatibility/2006">
               <mc:Choice xmlns:v="urn:schemas-microsoft-com:vml" Requires="v">
-                <p:oleObj spid="_x0000_s1044" name="Image" r:id="rId18" imgW="4055760" imgH="1371240" progId="Photoshop.Image.15">
+                <p:oleObj spid="_x0000_s1091" name="Image" r:id="rId17" imgW="4055760" imgH="1371240" progId="Photoshop.Image.15">
                   <p:embed/>
                 </p:oleObj>
               </mc:Choice>
               <mc:Fallback>
-                <p:oleObj name="Image" r:id="rId18" imgW="4055760" imgH="1371240" progId="Photoshop.Image.15">
+                <p:oleObj name="Image" r:id="rId17" imgW="4055760" imgH="1371240" progId="Photoshop.Image.15">
                   <p:embed/>
                   <p:pic>
                     <p:nvPicPr>
@@ -7304,7 +7416,7 @@
                       <p:nvPr/>
                     </p:nvPicPr>
                     <p:blipFill>
-                      <a:blip r:embed="rId19"/>
+                      <a:blip r:embed="rId18"/>
                       <a:stretch>
                         <a:fillRect/>
                       </a:stretch>
@@ -7364,7 +7476,7 @@
           <p:nvPr/>
         </p:nvPicPr>
         <p:blipFill>
-          <a:blip r:embed="rId20">
+          <a:blip r:embed="rId19">
             <a:extLst>
               <a:ext uri="{28A0092B-C50C-407E-A947-70E740481C1C}">
                 <a14:useLocalDpi xmlns:a14="http://schemas.microsoft.com/office/drawing/2010/main" val="0"/>
@@ -7394,7 +7506,7 @@
           <p:nvPr/>
         </p:nvPicPr>
         <p:blipFill>
-          <a:blip r:embed="rId21">
+          <a:blip r:embed="rId20">
             <a:extLst>
               <a:ext uri="{28A0092B-C50C-407E-A947-70E740481C1C}">
                 <a14:useLocalDpi xmlns:a14="http://schemas.microsoft.com/office/drawing/2010/main" val="0"/>

--- a/Posters/Poster-RicardoMartinez.pptx
+++ b/Posters/Poster-RicardoMartinez.pptx
@@ -5994,23 +5994,7 @@
             <a:pPr algn="just"/>
             <a:r>
               <a:rPr lang="en-US" sz="3000" dirty="0" smtClean="0"/>
-              <a:t>After all the work that was implemented for this project, the </a:t>
-            </a:r>
-            <a:r>
-              <a:rPr lang="en-US" sz="3000" dirty="0" smtClean="0"/>
-              <a:t>application, in its first stage, </a:t>
-            </a:r>
-            <a:r>
-              <a:rPr lang="en-US" sz="3000" dirty="0" smtClean="0"/>
-              <a:t>can </a:t>
-            </a:r>
-            <a:r>
-              <a:rPr lang="en-US" sz="3000" dirty="0" smtClean="0"/>
-              <a:t>now be </a:t>
-            </a:r>
-            <a:r>
-              <a:rPr lang="en-US" sz="3000" dirty="0" smtClean="0"/>
-              <a:t>used for tracking the Pinecrest People Mover bus, show all stops, and estimate arrival time for the bus to a stop. </a:t>
+              <a:t>After all the work that was implemented for this project, the application, in its first stage, can now be used for tracking the Pinecrest People Mover bus, show all stops, and estimate arrival time for the bus to a stop. </a:t>
             </a:r>
             <a:br>
               <a:rPr lang="en-US" sz="3000" dirty="0" smtClean="0"/>
@@ -6046,15 +6030,7 @@
             </a:br>
             <a:r>
               <a:rPr lang="en-US" sz="3000" dirty="0" smtClean="0"/>
-              <a:t>The application </a:t>
-            </a:r>
-            <a:r>
-              <a:rPr lang="en-US" sz="3000" dirty="0" smtClean="0"/>
-              <a:t>is compatible </a:t>
-            </a:r>
-            <a:r>
-              <a:rPr lang="en-US" sz="3000" dirty="0" smtClean="0"/>
-              <a:t>with both web and mobile devices.</a:t>
+              <a:t>The application is compatible with both web and mobile devices.</a:t>
             </a:r>
             <a:endParaRPr lang="en-US" sz="3000" dirty="0"/>
           </a:p>
@@ -6127,7 +6103,7 @@
           <a:graphicData uri="http://schemas.openxmlformats.org/presentationml/2006/ole">
             <mc:AlternateContent xmlns:mc="http://schemas.openxmlformats.org/markup-compatibility/2006">
               <mc:Choice xmlns:v="urn:schemas-microsoft-com:vml" Requires="v">
-                <p:oleObj spid="_x0000_s1090" name="Document" r:id="rId9" imgW="5638800" imgH="2413000" progId="Word.Document.12">
+                <p:oleObj spid="_x0000_s1095" name="Document" r:id="rId9" imgW="5638800" imgH="2413000" progId="Word.Document.12">
                   <p:embed/>
                 </p:oleObj>
               </mc:Choice>
@@ -6344,7 +6320,6 @@
               <a:rPr lang="en-US" sz="3000" dirty="0" smtClean="0"/>
               <a:t>The Pinecrest People Mover goes beyond the limits of a regular school bus. </a:t>
             </a:r>
-            <a:endParaRPr lang="en-US" sz="3000" dirty="0" smtClean="0"/>
           </a:p>
           <a:p>
             <a:pPr algn="just"/>
@@ -6366,12 +6341,16 @@
               <a:buChar char="•"/>
             </a:pPr>
             <a:r>
-              <a:rPr lang="en-US" sz="3000" dirty="0"/>
-              <a:t>C</a:t>
-            </a:r>
-            <a:r>
               <a:rPr lang="en-US" sz="3000" dirty="0" smtClean="0"/>
-              <a:t>urrently there is no system that will keep track of these trolleys. </a:t>
+              <a:t>Currently, </a:t>
+            </a:r>
+            <a:r>
+              <a:rPr lang="en-US" sz="3000" dirty="0" smtClean="0"/>
+              <a:t>there is no system that will keep track of these </a:t>
+            </a:r>
+            <a:r>
+              <a:rPr lang="en-US" sz="3000" dirty="0" smtClean="0"/>
+              <a:t>buses.</a:t>
             </a:r>
             <a:endParaRPr lang="en-US" sz="3000" dirty="0"/>
           </a:p>
@@ -6393,11 +6372,7 @@
             <a:pPr algn="just"/>
             <a:r>
               <a:rPr lang="en-US" sz="3000" b="1" i="1" dirty="0" smtClean="0"/>
-              <a:t>The </a:t>
-            </a:r>
-            <a:r>
-              <a:rPr lang="en-US" sz="3000" b="1" i="1" dirty="0" smtClean="0"/>
-              <a:t>problem I had to tackle was to show the estimated arrival time of the bus for a particular </a:t>
+              <a:t>The problem I had to tackle was to show the estimated arrival time of the bus for a particular </a:t>
             </a:r>
             <a:r>
               <a:rPr lang="en-US" sz="3000" b="1" i="1" dirty="0" smtClean="0">
@@ -6484,19 +6459,7 @@
             <a:pPr algn="ctr"/>
             <a:r>
               <a:rPr lang="en-US" sz="3000" dirty="0" smtClean="0"/>
-              <a:t>Requirements </a:t>
-            </a:r>
-            <a:r>
-              <a:rPr lang="en-US" sz="3000" dirty="0" smtClean="0"/>
-              <a:t>per </a:t>
-            </a:r>
-            <a:r>
-              <a:rPr lang="en-US" sz="3000" dirty="0" smtClean="0"/>
-              <a:t>request of the client that I developed</a:t>
-            </a:r>
-            <a:r>
-              <a:rPr lang="en-US" sz="3000" dirty="0" smtClean="0"/>
-              <a:t>:</a:t>
+              <a:t>Requirements per request of the client that I developed:</a:t>
             </a:r>
           </a:p>
           <a:p>
@@ -6510,11 +6473,7 @@
             </a:pPr>
             <a:r>
               <a:rPr lang="en-US" sz="3000" dirty="0" smtClean="0"/>
-              <a:t>Display </a:t>
-            </a:r>
-            <a:r>
-              <a:rPr lang="en-US" sz="3000" dirty="0" smtClean="0"/>
-              <a:t>stops on map</a:t>
+              <a:t>Display stops on map</a:t>
             </a:r>
           </a:p>
           <a:p>
@@ -6544,11 +6503,7 @@
             </a:pPr>
             <a:r>
               <a:rPr lang="en-US" sz="3000" dirty="0" smtClean="0"/>
-              <a:t>Find nearest stop for current </a:t>
-            </a:r>
-            <a:r>
-              <a:rPr lang="en-US" sz="3000" dirty="0" smtClean="0"/>
-              <a:t>location</a:t>
+              <a:t>Find nearest stop for current location</a:t>
             </a:r>
             <a:endParaRPr lang="en-US" sz="3000" dirty="0"/>
           </a:p>
@@ -7211,23 +7166,7 @@
             <a:pPr algn="ctr"/>
             <a:r>
               <a:rPr lang="en-US" sz="2500" dirty="0" smtClean="0"/>
-              <a:t>View when </a:t>
-            </a:r>
-            <a:r>
-              <a:rPr lang="en-US" sz="2500" dirty="0" smtClean="0"/>
-              <a:t>‘near </a:t>
-            </a:r>
-            <a:r>
-              <a:rPr lang="en-US" sz="2500" dirty="0" smtClean="0"/>
-              <a:t>m</a:t>
-            </a:r>
-            <a:r>
-              <a:rPr lang="en-US" sz="2500" dirty="0" smtClean="0"/>
-              <a:t>e’ </a:t>
-            </a:r>
-            <a:r>
-              <a:rPr lang="en-US" sz="2500" dirty="0" smtClean="0"/>
-              <a:t>button is selected</a:t>
+              <a:t>View when ‘near me’ button is selected</a:t>
             </a:r>
             <a:endParaRPr lang="en-US" sz="2500" dirty="0"/>
           </a:p>
@@ -7258,19 +7197,7 @@
             <a:pPr algn="ctr"/>
             <a:r>
               <a:rPr lang="en-US" sz="2500" dirty="0" smtClean="0"/>
-              <a:t>Main </a:t>
-            </a:r>
-            <a:r>
-              <a:rPr lang="en-US" sz="2500" dirty="0" smtClean="0"/>
-              <a:t>menu </a:t>
-            </a:r>
-            <a:r>
-              <a:rPr lang="en-US" sz="2500" dirty="0" smtClean="0"/>
-              <a:t>with </a:t>
-            </a:r>
-            <a:r>
-              <a:rPr lang="en-US" sz="2500" dirty="0" smtClean="0"/>
-              <a:t>estimated </a:t>
+              <a:t>Main menu with estimated </a:t>
             </a:r>
             <a:r>
               <a:rPr lang="en-US" sz="2500" dirty="0"/>
@@ -7278,11 +7205,7 @@
             </a:r>
             <a:r>
               <a:rPr lang="en-US" sz="2500" dirty="0" smtClean="0"/>
-              <a:t>ime </a:t>
-            </a:r>
-            <a:r>
-              <a:rPr lang="en-US" sz="2500" dirty="0" smtClean="0"/>
-              <a:t>functionality showing</a:t>
+              <a:t>ime functionality showing</a:t>
             </a:r>
             <a:endParaRPr lang="en-US" sz="2500" dirty="0"/>
           </a:p>
@@ -7402,7 +7325,7 @@
           <a:graphicData uri="http://schemas.openxmlformats.org/presentationml/2006/ole">
             <mc:AlternateContent xmlns:mc="http://schemas.openxmlformats.org/markup-compatibility/2006">
               <mc:Choice xmlns:v="urn:schemas-microsoft-com:vml" Requires="v">
-                <p:oleObj spid="_x0000_s1091" name="Image" r:id="rId17" imgW="4055760" imgH="1371240" progId="Photoshop.Image.15">
+                <p:oleObj spid="_x0000_s1096" name="Image" r:id="rId17" imgW="4055760" imgH="1371240" progId="Photoshop.Image.15">
                   <p:embed/>
                 </p:oleObj>
               </mc:Choice>
